--- a/images/git-repository/git_repo.pptx
+++ b/images/git-repository/git_repo.pptx
@@ -294,7 +294,7 @@
           <a:p>
             <a:fld id="{8CB4B4FF-AE23-4E1E-B51C-5ED850CF274A}" type="datetimeFigureOut">
               <a:rPr kumimoji="1" lang="ja-JP" altLang="en-US" smtClean="0"/>
-              <a:t>2015/12/26</a:t>
+              <a:t>2016/1/1</a:t>
             </a:fld>
             <a:endParaRPr kumimoji="1" lang="ja-JP" altLang="en-US"/>
           </a:p>
@@ -496,7 +496,7 @@
           <a:p>
             <a:fld id="{8CB4B4FF-AE23-4E1E-B51C-5ED850CF274A}" type="datetimeFigureOut">
               <a:rPr kumimoji="1" lang="ja-JP" altLang="en-US" smtClean="0"/>
-              <a:t>2015/12/26</a:t>
+              <a:t>2016/1/1</a:t>
             </a:fld>
             <a:endParaRPr kumimoji="1" lang="ja-JP" altLang="en-US"/>
           </a:p>
@@ -708,7 +708,7 @@
           <a:p>
             <a:fld id="{8CB4B4FF-AE23-4E1E-B51C-5ED850CF274A}" type="datetimeFigureOut">
               <a:rPr kumimoji="1" lang="ja-JP" altLang="en-US" smtClean="0"/>
-              <a:t>2015/12/26</a:t>
+              <a:t>2016/1/1</a:t>
             </a:fld>
             <a:endParaRPr kumimoji="1" lang="ja-JP" altLang="en-US"/>
           </a:p>
@@ -910,7 +910,7 @@
           <a:p>
             <a:fld id="{8CB4B4FF-AE23-4E1E-B51C-5ED850CF274A}" type="datetimeFigureOut">
               <a:rPr kumimoji="1" lang="ja-JP" altLang="en-US" smtClean="0"/>
-              <a:t>2015/12/26</a:t>
+              <a:t>2016/1/1</a:t>
             </a:fld>
             <a:endParaRPr kumimoji="1" lang="ja-JP" altLang="en-US"/>
           </a:p>
@@ -1156,7 +1156,7 @@
           <a:p>
             <a:fld id="{8CB4B4FF-AE23-4E1E-B51C-5ED850CF274A}" type="datetimeFigureOut">
               <a:rPr kumimoji="1" lang="ja-JP" altLang="en-US" smtClean="0"/>
-              <a:t>2015/12/26</a:t>
+              <a:t>2016/1/1</a:t>
             </a:fld>
             <a:endParaRPr kumimoji="1" lang="ja-JP" altLang="en-US"/>
           </a:p>
@@ -1508,7 +1508,7 @@
           <a:p>
             <a:fld id="{8CB4B4FF-AE23-4E1E-B51C-5ED850CF274A}" type="datetimeFigureOut">
               <a:rPr kumimoji="1" lang="ja-JP" altLang="en-US" smtClean="0"/>
-              <a:t>2015/12/26</a:t>
+              <a:t>2016/1/1</a:t>
             </a:fld>
             <a:endParaRPr kumimoji="1" lang="ja-JP" altLang="en-US"/>
           </a:p>
@@ -1994,7 +1994,7 @@
           <a:p>
             <a:fld id="{8CB4B4FF-AE23-4E1E-B51C-5ED850CF274A}" type="datetimeFigureOut">
               <a:rPr kumimoji="1" lang="ja-JP" altLang="en-US" smtClean="0"/>
-              <a:t>2015/12/26</a:t>
+              <a:t>2016/1/1</a:t>
             </a:fld>
             <a:endParaRPr kumimoji="1" lang="ja-JP" altLang="en-US"/>
           </a:p>
@@ -2112,7 +2112,7 @@
           <a:p>
             <a:fld id="{8CB4B4FF-AE23-4E1E-B51C-5ED850CF274A}" type="datetimeFigureOut">
               <a:rPr kumimoji="1" lang="ja-JP" altLang="en-US" smtClean="0"/>
-              <a:t>2015/12/26</a:t>
+              <a:t>2016/1/1</a:t>
             </a:fld>
             <a:endParaRPr kumimoji="1" lang="ja-JP" altLang="en-US"/>
           </a:p>
@@ -2207,7 +2207,7 @@
           <a:p>
             <a:fld id="{8CB4B4FF-AE23-4E1E-B51C-5ED850CF274A}" type="datetimeFigureOut">
               <a:rPr kumimoji="1" lang="ja-JP" altLang="en-US" smtClean="0"/>
-              <a:t>2015/12/26</a:t>
+              <a:t>2016/1/1</a:t>
             </a:fld>
             <a:endParaRPr kumimoji="1" lang="ja-JP" altLang="en-US"/>
           </a:p>
@@ -2516,7 +2516,7 @@
           <a:p>
             <a:fld id="{8CB4B4FF-AE23-4E1E-B51C-5ED850CF274A}" type="datetimeFigureOut">
               <a:rPr kumimoji="1" lang="ja-JP" altLang="en-US" smtClean="0"/>
-              <a:t>2015/12/26</a:t>
+              <a:t>2016/1/1</a:t>
             </a:fld>
             <a:endParaRPr kumimoji="1" lang="ja-JP" altLang="en-US"/>
           </a:p>
@@ -2769,7 +2769,7 @@
           <a:p>
             <a:fld id="{8CB4B4FF-AE23-4E1E-B51C-5ED850CF274A}" type="datetimeFigureOut">
               <a:rPr kumimoji="1" lang="ja-JP" altLang="en-US" smtClean="0"/>
-              <a:t>2015/12/26</a:t>
+              <a:t>2016/1/1</a:t>
             </a:fld>
             <a:endParaRPr kumimoji="1" lang="ja-JP" altLang="en-US"/>
           </a:p>
@@ -3014,7 +3014,7 @@
           <a:p>
             <a:fld id="{8CB4B4FF-AE23-4E1E-B51C-5ED850CF274A}" type="datetimeFigureOut">
               <a:rPr kumimoji="1" lang="ja-JP" altLang="en-US" smtClean="0"/>
-              <a:t>2015/12/26</a:t>
+              <a:t>2016/1/1</a:t>
             </a:fld>
             <a:endParaRPr kumimoji="1" lang="ja-JP" altLang="en-US"/>
           </a:p>
@@ -3437,7 +3437,7 @@
                   <a:schemeClr val="tx1"/>
                 </a:solidFill>
               </a:rPr>
-              <a:t>ワーキングツリー</a:t>
+              <a:t>ワーキングディレクトリ</a:t>
             </a:r>
             <a:endParaRPr kumimoji="1" lang="ja-JP" altLang="en-US" sz="1400" b="1" dirty="0">
               <a:solidFill>
@@ -4913,7 +4913,11 @@
           <a:p>
             <a:r>
               <a:rPr kumimoji="1" lang="ja-JP" altLang="en-US" dirty="0" smtClean="0"/>
-              <a:t>ワーキングツリーとインデックスとオブジェクト格納領域が同期している。</a:t>
+              <a:t>ワーキングディレクトリと</a:t>
+            </a:r>
+            <a:r>
+              <a:rPr kumimoji="1" lang="ja-JP" altLang="en-US" dirty="0" smtClean="0"/>
+              <a:t>インデックスとオブジェクト格納領域が同期している。</a:t>
             </a:r>
             <a:endParaRPr kumimoji="1" lang="ja-JP" altLang="en-US" dirty="0"/>
           </a:p>
@@ -4992,14 +4996,14 @@
           <a:lstStyle/>
           <a:p>
             <a:r>
-              <a:rPr kumimoji="1" lang="ja-JP" altLang="en-US" sz="1400" b="1" dirty="0" smtClean="0">
+              <a:rPr lang="ja-JP" altLang="en-US" sz="1400" b="1" dirty="0">
                 <a:solidFill>
                   <a:schemeClr val="tx1"/>
                 </a:solidFill>
               </a:rPr>
-              <a:t>ワーキングツリー</a:t>
-            </a:r>
-            <a:endParaRPr kumimoji="1" lang="ja-JP" altLang="en-US" sz="1400" b="1" dirty="0">
+              <a:t>ワーキングディレクトリ</a:t>
+            </a:r>
+            <a:endParaRPr lang="ja-JP" altLang="en-US" sz="1400" b="1" dirty="0">
               <a:solidFill>
                 <a:schemeClr val="tx1"/>
               </a:solidFill>
@@ -6727,11 +6731,7 @@
             </a:r>
             <a:r>
               <a:rPr lang="ja-JP" altLang="en-US" dirty="0" smtClean="0"/>
-              <a:t>」すると</a:t>
-            </a:r>
-            <a:r>
-              <a:rPr lang="ja-JP" altLang="en-US" dirty="0" smtClean="0"/>
-              <a:t>「</a:t>
+              <a:t>」すると「</a:t>
             </a:r>
             <a:r>
               <a:rPr lang="en-US" altLang="ja-JP" dirty="0" smtClean="0"/>
@@ -6831,7 +6831,7 @@
                   <a:schemeClr val="tx1"/>
                 </a:solidFill>
               </a:rPr>
-              <a:t>ワーキングツリー</a:t>
+              <a:t>ワーキングディレクトリ</a:t>
             </a:r>
             <a:endParaRPr kumimoji="1" lang="ja-JP" altLang="en-US" sz="1400" b="1" dirty="0">
               <a:solidFill>
@@ -8811,7 +8811,7 @@
                   <a:schemeClr val="tx1"/>
                 </a:solidFill>
               </a:rPr>
-              <a:t>ワーキングツリー</a:t>
+              <a:t>ワーキングディレクトリ</a:t>
             </a:r>
             <a:endParaRPr kumimoji="1" lang="ja-JP" altLang="en-US" sz="1400" b="1" dirty="0">
               <a:solidFill>
@@ -10954,8 +10954,12 @@
           </a:p>
           <a:p>
             <a:r>
+              <a:rPr lang="ja-JP" altLang="en-US" dirty="0" smtClean="0"/>
+              <a:t>ワーキングディレクトリと</a:t>
+            </a:r>
+            <a:r>
               <a:rPr lang="ja-JP" altLang="en-US" dirty="0"/>
-              <a:t>ワーキングツリーとインデックスとオブジェクト格納領域が同期している</a:t>
+              <a:t>インデックスとオブジェクト格納領域が同期している</a:t>
             </a:r>
             <a:r>
               <a:rPr lang="ja-JP" altLang="en-US" dirty="0" smtClean="0"/>
@@ -11043,7 +11047,7 @@
                   <a:schemeClr val="tx1"/>
                 </a:solidFill>
               </a:rPr>
-              <a:t>ワーキングツリー</a:t>
+              <a:t>ワーキングディレクトリ</a:t>
             </a:r>
             <a:endParaRPr kumimoji="1" lang="ja-JP" altLang="en-US" sz="1400" b="1" dirty="0">
               <a:solidFill>
@@ -13299,7 +13303,7 @@
                   <a:schemeClr val="tx1"/>
                 </a:solidFill>
               </a:rPr>
-              <a:t>ワーキングツリー</a:t>
+              <a:t>ワーキングディレクトリ</a:t>
             </a:r>
             <a:endParaRPr kumimoji="1" lang="ja-JP" altLang="en-US" sz="1400" b="1" dirty="0">
               <a:solidFill>
@@ -15607,7 +15611,7 @@
                   <a:schemeClr val="tx1"/>
                 </a:solidFill>
               </a:rPr>
-              <a:t>ワーキングツリー</a:t>
+              <a:t>ワーキングディレクトリ</a:t>
             </a:r>
             <a:endParaRPr kumimoji="1" lang="ja-JP" altLang="en-US" sz="1400" b="1" dirty="0">
               <a:solidFill>
@@ -18074,8 +18078,12 @@
           </a:p>
           <a:p>
             <a:r>
+              <a:rPr lang="ja-JP" altLang="en-US" dirty="0" smtClean="0"/>
+              <a:t>ワーキングディレクトリと</a:t>
+            </a:r>
+            <a:r>
               <a:rPr lang="ja-JP" altLang="en-US" dirty="0"/>
-              <a:t>ワーキングツリーとインデックスとオブジェクト格納領域が同期している</a:t>
+              <a:t>インデックスとオブジェクト格納領域が同期している</a:t>
             </a:r>
             <a:r>
               <a:rPr lang="ja-JP" altLang="en-US" dirty="0" smtClean="0"/>

--- a/images/git-repository/git_repo.pptx
+++ b/images/git-repository/git_repo.pptx
@@ -294,7 +294,7 @@
           <a:p>
             <a:fld id="{8CB4B4FF-AE23-4E1E-B51C-5ED850CF274A}" type="datetimeFigureOut">
               <a:rPr kumimoji="1" lang="ja-JP" altLang="en-US" smtClean="0"/>
-              <a:t>2016/1/1</a:t>
+              <a:t>2016/1/12</a:t>
             </a:fld>
             <a:endParaRPr kumimoji="1" lang="ja-JP" altLang="en-US"/>
           </a:p>
@@ -496,7 +496,7 @@
           <a:p>
             <a:fld id="{8CB4B4FF-AE23-4E1E-B51C-5ED850CF274A}" type="datetimeFigureOut">
               <a:rPr kumimoji="1" lang="ja-JP" altLang="en-US" smtClean="0"/>
-              <a:t>2016/1/1</a:t>
+              <a:t>2016/1/12</a:t>
             </a:fld>
             <a:endParaRPr kumimoji="1" lang="ja-JP" altLang="en-US"/>
           </a:p>
@@ -708,7 +708,7 @@
           <a:p>
             <a:fld id="{8CB4B4FF-AE23-4E1E-B51C-5ED850CF274A}" type="datetimeFigureOut">
               <a:rPr kumimoji="1" lang="ja-JP" altLang="en-US" smtClean="0"/>
-              <a:t>2016/1/1</a:t>
+              <a:t>2016/1/12</a:t>
             </a:fld>
             <a:endParaRPr kumimoji="1" lang="ja-JP" altLang="en-US"/>
           </a:p>
@@ -910,7 +910,7 @@
           <a:p>
             <a:fld id="{8CB4B4FF-AE23-4E1E-B51C-5ED850CF274A}" type="datetimeFigureOut">
               <a:rPr kumimoji="1" lang="ja-JP" altLang="en-US" smtClean="0"/>
-              <a:t>2016/1/1</a:t>
+              <a:t>2016/1/12</a:t>
             </a:fld>
             <a:endParaRPr kumimoji="1" lang="ja-JP" altLang="en-US"/>
           </a:p>
@@ -1156,7 +1156,7 @@
           <a:p>
             <a:fld id="{8CB4B4FF-AE23-4E1E-B51C-5ED850CF274A}" type="datetimeFigureOut">
               <a:rPr kumimoji="1" lang="ja-JP" altLang="en-US" smtClean="0"/>
-              <a:t>2016/1/1</a:t>
+              <a:t>2016/1/12</a:t>
             </a:fld>
             <a:endParaRPr kumimoji="1" lang="ja-JP" altLang="en-US"/>
           </a:p>
@@ -1508,7 +1508,7 @@
           <a:p>
             <a:fld id="{8CB4B4FF-AE23-4E1E-B51C-5ED850CF274A}" type="datetimeFigureOut">
               <a:rPr kumimoji="1" lang="ja-JP" altLang="en-US" smtClean="0"/>
-              <a:t>2016/1/1</a:t>
+              <a:t>2016/1/12</a:t>
             </a:fld>
             <a:endParaRPr kumimoji="1" lang="ja-JP" altLang="en-US"/>
           </a:p>
@@ -1994,7 +1994,7 @@
           <a:p>
             <a:fld id="{8CB4B4FF-AE23-4E1E-B51C-5ED850CF274A}" type="datetimeFigureOut">
               <a:rPr kumimoji="1" lang="ja-JP" altLang="en-US" smtClean="0"/>
-              <a:t>2016/1/1</a:t>
+              <a:t>2016/1/12</a:t>
             </a:fld>
             <a:endParaRPr kumimoji="1" lang="ja-JP" altLang="en-US"/>
           </a:p>
@@ -2112,7 +2112,7 @@
           <a:p>
             <a:fld id="{8CB4B4FF-AE23-4E1E-B51C-5ED850CF274A}" type="datetimeFigureOut">
               <a:rPr kumimoji="1" lang="ja-JP" altLang="en-US" smtClean="0"/>
-              <a:t>2016/1/1</a:t>
+              <a:t>2016/1/12</a:t>
             </a:fld>
             <a:endParaRPr kumimoji="1" lang="ja-JP" altLang="en-US"/>
           </a:p>
@@ -2207,7 +2207,7 @@
           <a:p>
             <a:fld id="{8CB4B4FF-AE23-4E1E-B51C-5ED850CF274A}" type="datetimeFigureOut">
               <a:rPr kumimoji="1" lang="ja-JP" altLang="en-US" smtClean="0"/>
-              <a:t>2016/1/1</a:t>
+              <a:t>2016/1/12</a:t>
             </a:fld>
             <a:endParaRPr kumimoji="1" lang="ja-JP" altLang="en-US"/>
           </a:p>
@@ -2516,7 +2516,7 @@
           <a:p>
             <a:fld id="{8CB4B4FF-AE23-4E1E-B51C-5ED850CF274A}" type="datetimeFigureOut">
               <a:rPr kumimoji="1" lang="ja-JP" altLang="en-US" smtClean="0"/>
-              <a:t>2016/1/1</a:t>
+              <a:t>2016/1/12</a:t>
             </a:fld>
             <a:endParaRPr kumimoji="1" lang="ja-JP" altLang="en-US"/>
           </a:p>
@@ -2769,7 +2769,7 @@
           <a:p>
             <a:fld id="{8CB4B4FF-AE23-4E1E-B51C-5ED850CF274A}" type="datetimeFigureOut">
               <a:rPr kumimoji="1" lang="ja-JP" altLang="en-US" smtClean="0"/>
-              <a:t>2016/1/1</a:t>
+              <a:t>2016/1/12</a:t>
             </a:fld>
             <a:endParaRPr kumimoji="1" lang="ja-JP" altLang="en-US"/>
           </a:p>
@@ -3014,7 +3014,7 @@
           <a:p>
             <a:fld id="{8CB4B4FF-AE23-4E1E-B51C-5ED850CF274A}" type="datetimeFigureOut">
               <a:rPr kumimoji="1" lang="ja-JP" altLang="en-US" smtClean="0"/>
-              <a:t>2016/1/1</a:t>
+              <a:t>2016/1/12</a:t>
             </a:fld>
             <a:endParaRPr kumimoji="1" lang="ja-JP" altLang="en-US"/>
           </a:p>
@@ -3863,7 +3863,7 @@
         <p:spPr>
           <a:xfrm>
             <a:off x="1403648" y="5798691"/>
-            <a:ext cx="1981492" cy="262047"/>
+            <a:ext cx="1368152" cy="262047"/>
           </a:xfrm>
           <a:prstGeom prst="rect">
             <a:avLst/>
@@ -3899,7 +3899,7 @@
                   <a:schemeClr val="tx1"/>
                 </a:solidFill>
               </a:rPr>
-              <a:t>hoge/Readme.md</a:t>
+              <a:t>Readme.md</a:t>
             </a:r>
           </a:p>
         </p:txBody>
@@ -3913,7 +3913,7 @@
         <p:spPr>
           <a:xfrm>
             <a:off x="1403648" y="6070982"/>
-            <a:ext cx="1642273" cy="288032"/>
+            <a:ext cx="1133933" cy="288032"/>
           </a:xfrm>
           <a:prstGeom prst="rect">
             <a:avLst/>
@@ -3943,21 +3943,13 @@
           <a:bodyPr rtlCol="0" anchor="ctr"/>
           <a:lstStyle/>
           <a:p>
-            <a:r>
-              <a:rPr lang="en-US" altLang="ja-JP" dirty="0" err="1" smtClean="0">
-                <a:solidFill>
-                  <a:schemeClr val="tx1"/>
-                </a:solidFill>
-              </a:rPr>
-              <a:t>hoge</a:t>
-            </a:r>
             <a:r>
               <a:rPr lang="en-US" altLang="ja-JP" dirty="0" smtClean="0">
                 <a:solidFill>
                   <a:schemeClr val="tx1"/>
                 </a:solidFill>
               </a:rPr>
-              <a:t>/Foo.java</a:t>
+              <a:t>Foo.java</a:t>
             </a:r>
             <a:endParaRPr kumimoji="1" lang="ja-JP" altLang="en-US" dirty="0">
               <a:solidFill>
@@ -4065,8 +4057,8 @@
         </p:nvCxnSpPr>
         <p:spPr>
           <a:xfrm flipV="1">
-            <a:off x="3385140" y="5196642"/>
-            <a:ext cx="1222655" cy="733073"/>
+            <a:off x="2771800" y="5196642"/>
+            <a:ext cx="1835995" cy="733073"/>
           </a:xfrm>
           <a:prstGeom prst="straightConnector1">
             <a:avLst/>
@@ -4105,8 +4097,8 @@
         </p:nvCxnSpPr>
         <p:spPr>
           <a:xfrm flipV="1">
-            <a:off x="3045921" y="5196642"/>
-            <a:ext cx="2786429" cy="1018356"/>
+            <a:off x="2537581" y="5196642"/>
+            <a:ext cx="3294769" cy="1018356"/>
           </a:xfrm>
           <a:prstGeom prst="straightConnector1">
             <a:avLst/>
@@ -4905,19 +4897,31 @@
           <a:lstStyle/>
           <a:p>
             <a:r>
+              <a:rPr lang="ja-JP" altLang="en-US" dirty="0" smtClean="0"/>
+              <a:t>プロジェクト</a:t>
+            </a:r>
+            <a:r>
+              <a:rPr lang="en-US" altLang="ja-JP" dirty="0" err="1" smtClean="0"/>
+              <a:t>hoge</a:t>
+            </a:r>
+            <a:r>
+              <a:rPr lang="ja-JP" altLang="en-US" dirty="0" smtClean="0"/>
+              <a:t>の</a:t>
+            </a:r>
+            <a:r>
               <a:rPr kumimoji="1" lang="ja-JP" altLang="en-US" dirty="0" smtClean="0"/>
-              <a:t>初期状態。</a:t>
+              <a:t>初期</a:t>
+            </a:r>
+            <a:r>
+              <a:rPr kumimoji="1" lang="ja-JP" altLang="en-US" smtClean="0"/>
+              <a:t>状態。ルートディレクトリ直下に二つのファイルがある。</a:t>
             </a:r>
             <a:endParaRPr kumimoji="1" lang="en-US" altLang="ja-JP" dirty="0" smtClean="0"/>
           </a:p>
           <a:p>
             <a:r>
               <a:rPr kumimoji="1" lang="ja-JP" altLang="en-US" dirty="0" smtClean="0"/>
-              <a:t>ワーキングディレクトリと</a:t>
-            </a:r>
-            <a:r>
-              <a:rPr kumimoji="1" lang="ja-JP" altLang="en-US" dirty="0" smtClean="0"/>
-              <a:t>インデックスとオブジェクト格納領域が同期している。</a:t>
+              <a:t>ワーキングディレクトリとインデックスとオブジェクト格納領域が同期している。</a:t>
             </a:r>
             <a:endParaRPr kumimoji="1" lang="ja-JP" altLang="en-US" dirty="0"/>
           </a:p>
@@ -5003,11 +5007,6 @@
               </a:rPr>
               <a:t>ワーキングディレクトリ</a:t>
             </a:r>
-            <a:endParaRPr lang="ja-JP" altLang="en-US" sz="1400" b="1" dirty="0">
-              <a:solidFill>
-                <a:schemeClr val="tx1"/>
-              </a:solidFill>
-            </a:endParaRPr>
           </a:p>
         </p:txBody>
       </p:sp>
@@ -5420,119 +5419,6 @@
       </p:sp>
       <p:sp>
         <p:nvSpPr>
-          <p:cNvPr id="56" name="正方形/長方形 55"/>
-          <p:cNvSpPr/>
-          <p:nvPr/>
-        </p:nvSpPr>
-        <p:spPr>
-          <a:xfrm>
-            <a:off x="1403648" y="5798691"/>
-            <a:ext cx="1981492" cy="262047"/>
-          </a:xfrm>
-          <a:prstGeom prst="rect">
-            <a:avLst/>
-          </a:prstGeom>
-          <a:noFill/>
-          <a:ln>
-            <a:noFill/>
-          </a:ln>
-        </p:spPr>
-        <p:style>
-          <a:lnRef idx="2">
-            <a:schemeClr val="accent1">
-              <a:shade val="50000"/>
-            </a:schemeClr>
-          </a:lnRef>
-          <a:fillRef idx="1">
-            <a:schemeClr val="accent1"/>
-          </a:fillRef>
-          <a:effectRef idx="0">
-            <a:schemeClr val="accent1"/>
-          </a:effectRef>
-          <a:fontRef idx="minor">
-            <a:schemeClr val="lt1"/>
-          </a:fontRef>
-        </p:style>
-        <p:txBody>
-          <a:bodyPr rtlCol="0" anchor="ctr"/>
-          <a:lstStyle/>
-          <a:p>
-            <a:r>
-              <a:rPr lang="en-US" altLang="ja-JP" dirty="0" smtClean="0">
-                <a:solidFill>
-                  <a:schemeClr val="tx1"/>
-                </a:solidFill>
-              </a:rPr>
-              <a:t>hoge/Readme.md</a:t>
-            </a:r>
-          </a:p>
-        </p:txBody>
-      </p:sp>
-      <p:sp>
-        <p:nvSpPr>
-          <p:cNvPr id="57" name="正方形/長方形 56"/>
-          <p:cNvSpPr/>
-          <p:nvPr/>
-        </p:nvSpPr>
-        <p:spPr>
-          <a:xfrm>
-            <a:off x="1403648" y="6070982"/>
-            <a:ext cx="1642273" cy="288032"/>
-          </a:xfrm>
-          <a:prstGeom prst="rect">
-            <a:avLst/>
-          </a:prstGeom>
-          <a:noFill/>
-          <a:ln>
-            <a:noFill/>
-          </a:ln>
-        </p:spPr>
-        <p:style>
-          <a:lnRef idx="2">
-            <a:schemeClr val="accent1">
-              <a:shade val="50000"/>
-            </a:schemeClr>
-          </a:lnRef>
-          <a:fillRef idx="1">
-            <a:schemeClr val="accent1"/>
-          </a:fillRef>
-          <a:effectRef idx="0">
-            <a:schemeClr val="accent1"/>
-          </a:effectRef>
-          <a:fontRef idx="minor">
-            <a:schemeClr val="lt1"/>
-          </a:fontRef>
-        </p:style>
-        <p:txBody>
-          <a:bodyPr rtlCol="0" anchor="ctr"/>
-          <a:lstStyle/>
-          <a:p>
-            <a:r>
-              <a:rPr lang="en-US" altLang="ja-JP" dirty="0" err="1" smtClean="0">
-                <a:solidFill>
-                  <a:schemeClr val="tx1"/>
-                </a:solidFill>
-              </a:rPr>
-              <a:t>hoge</a:t>
-            </a:r>
-            <a:r>
-              <a:rPr lang="en-US" altLang="ja-JP" dirty="0" smtClean="0">
-                <a:solidFill>
-                  <a:schemeClr val="tx1"/>
-                </a:solidFill>
-              </a:rPr>
-              <a:t>/Foo.java</a:t>
-            </a:r>
-            <a:endParaRPr kumimoji="1" lang="ja-JP" altLang="en-US" dirty="0">
-              <a:solidFill>
-                <a:schemeClr val="tx1"/>
-              </a:solidFill>
-            </a:endParaRPr>
-          </a:p>
-        </p:txBody>
-      </p:sp>
-      <p:sp>
-        <p:nvSpPr>
           <p:cNvPr id="58" name="角丸四角形 57"/>
           <p:cNvSpPr/>
           <p:nvPr/>
@@ -5618,86 +5504,6 @@
           </a:p>
         </p:txBody>
       </p:sp>
-      <p:cxnSp>
-        <p:nvCxnSpPr>
-          <p:cNvPr id="60" name="直線矢印コネクタ 59"/>
-          <p:cNvCxnSpPr>
-            <a:stCxn id="56" idx="3"/>
-            <a:endCxn id="58" idx="2"/>
-          </p:cNvCxnSpPr>
-          <p:nvPr/>
-        </p:nvCxnSpPr>
-        <p:spPr>
-          <a:xfrm flipV="1">
-            <a:off x="3385140" y="5196642"/>
-            <a:ext cx="1222655" cy="733073"/>
-          </a:xfrm>
-          <a:prstGeom prst="straightConnector1">
-            <a:avLst/>
-          </a:prstGeom>
-          <a:ln w="19050">
-            <a:solidFill>
-              <a:schemeClr val="tx1"/>
-            </a:solidFill>
-            <a:prstDash val="sysDash"/>
-            <a:tailEnd type="triangle" w="lg" len="med"/>
-          </a:ln>
-        </p:spPr>
-        <p:style>
-          <a:lnRef idx="1">
-            <a:schemeClr val="accent1"/>
-          </a:lnRef>
-          <a:fillRef idx="0">
-            <a:schemeClr val="accent1"/>
-          </a:fillRef>
-          <a:effectRef idx="0">
-            <a:schemeClr val="accent1"/>
-          </a:effectRef>
-          <a:fontRef idx="minor">
-            <a:schemeClr val="tx1"/>
-          </a:fontRef>
-        </p:style>
-      </p:cxnSp>
-      <p:cxnSp>
-        <p:nvCxnSpPr>
-          <p:cNvPr id="61" name="直線矢印コネクタ 60"/>
-          <p:cNvCxnSpPr>
-            <a:stCxn id="57" idx="3"/>
-            <a:endCxn id="59" idx="2"/>
-          </p:cNvCxnSpPr>
-          <p:nvPr/>
-        </p:nvCxnSpPr>
-        <p:spPr>
-          <a:xfrm flipV="1">
-            <a:off x="3045921" y="5196642"/>
-            <a:ext cx="2786429" cy="1018356"/>
-          </a:xfrm>
-          <a:prstGeom prst="straightConnector1">
-            <a:avLst/>
-          </a:prstGeom>
-          <a:ln w="19050">
-            <a:solidFill>
-              <a:schemeClr val="tx1"/>
-            </a:solidFill>
-            <a:prstDash val="sysDash"/>
-            <a:tailEnd type="triangle" w="lg" len="med"/>
-          </a:ln>
-        </p:spPr>
-        <p:style>
-          <a:lnRef idx="1">
-            <a:schemeClr val="accent1"/>
-          </a:lnRef>
-          <a:fillRef idx="0">
-            <a:schemeClr val="accent1"/>
-          </a:fillRef>
-          <a:effectRef idx="0">
-            <a:schemeClr val="accent1"/>
-          </a:effectRef>
-          <a:fontRef idx="minor">
-            <a:schemeClr val="tx1"/>
-          </a:fontRef>
-        </p:style>
-      </p:cxnSp>
       <p:sp>
         <p:nvSpPr>
           <p:cNvPr id="62" name="二等辺三角形 61"/>
@@ -6711,8 +6517,12 @@
               <a:t>New.java</a:t>
             </a:r>
             <a:r>
+              <a:rPr lang="ja-JP" altLang="en-US" smtClean="0"/>
+              <a:t>をワーキングディレクトリに追加</a:t>
+            </a:r>
+            <a:r>
               <a:rPr lang="ja-JP" altLang="en-US" dirty="0" smtClean="0"/>
-              <a:t>を追加。</a:t>
+              <a:t>。</a:t>
             </a:r>
             <a:endParaRPr lang="en-US" altLang="ja-JP" dirty="0" smtClean="0"/>
           </a:p>
@@ -6753,6 +6563,189 @@
           </a:p>
         </p:txBody>
       </p:sp>
+      <p:sp>
+        <p:nvSpPr>
+          <p:cNvPr id="40" name="正方形/長方形 39"/>
+          <p:cNvSpPr/>
+          <p:nvPr/>
+        </p:nvSpPr>
+        <p:spPr>
+          <a:xfrm>
+            <a:off x="1403648" y="5798691"/>
+            <a:ext cx="1368152" cy="262047"/>
+          </a:xfrm>
+          <a:prstGeom prst="rect">
+            <a:avLst/>
+          </a:prstGeom>
+          <a:noFill/>
+          <a:ln>
+            <a:noFill/>
+          </a:ln>
+        </p:spPr>
+        <p:style>
+          <a:lnRef idx="2">
+            <a:schemeClr val="accent1">
+              <a:shade val="50000"/>
+            </a:schemeClr>
+          </a:lnRef>
+          <a:fillRef idx="1">
+            <a:schemeClr val="accent1"/>
+          </a:fillRef>
+          <a:effectRef idx="0">
+            <a:schemeClr val="accent1"/>
+          </a:effectRef>
+          <a:fontRef idx="minor">
+            <a:schemeClr val="lt1"/>
+          </a:fontRef>
+        </p:style>
+        <p:txBody>
+          <a:bodyPr rtlCol="0" anchor="ctr"/>
+          <a:lstStyle/>
+          <a:p>
+            <a:r>
+              <a:rPr lang="en-US" altLang="ja-JP" dirty="0" smtClean="0">
+                <a:solidFill>
+                  <a:schemeClr val="tx1"/>
+                </a:solidFill>
+              </a:rPr>
+              <a:t>Readme.md</a:t>
+            </a:r>
+          </a:p>
+        </p:txBody>
+      </p:sp>
+      <p:sp>
+        <p:nvSpPr>
+          <p:cNvPr id="41" name="正方形/長方形 40"/>
+          <p:cNvSpPr/>
+          <p:nvPr/>
+        </p:nvSpPr>
+        <p:spPr>
+          <a:xfrm>
+            <a:off x="1403648" y="6070982"/>
+            <a:ext cx="1133933" cy="288032"/>
+          </a:xfrm>
+          <a:prstGeom prst="rect">
+            <a:avLst/>
+          </a:prstGeom>
+          <a:noFill/>
+          <a:ln>
+            <a:noFill/>
+          </a:ln>
+        </p:spPr>
+        <p:style>
+          <a:lnRef idx="2">
+            <a:schemeClr val="accent1">
+              <a:shade val="50000"/>
+            </a:schemeClr>
+          </a:lnRef>
+          <a:fillRef idx="1">
+            <a:schemeClr val="accent1"/>
+          </a:fillRef>
+          <a:effectRef idx="0">
+            <a:schemeClr val="accent1"/>
+          </a:effectRef>
+          <a:fontRef idx="minor">
+            <a:schemeClr val="lt1"/>
+          </a:fontRef>
+        </p:style>
+        <p:txBody>
+          <a:bodyPr rtlCol="0" anchor="ctr"/>
+          <a:lstStyle/>
+          <a:p>
+            <a:r>
+              <a:rPr lang="en-US" altLang="ja-JP" dirty="0" smtClean="0">
+                <a:solidFill>
+                  <a:schemeClr val="tx1"/>
+                </a:solidFill>
+              </a:rPr>
+              <a:t>Foo.java</a:t>
+            </a:r>
+            <a:endParaRPr kumimoji="1" lang="ja-JP" altLang="en-US" dirty="0">
+              <a:solidFill>
+                <a:schemeClr val="tx1"/>
+              </a:solidFill>
+            </a:endParaRPr>
+          </a:p>
+        </p:txBody>
+      </p:sp>
+      <p:cxnSp>
+        <p:nvCxnSpPr>
+          <p:cNvPr id="42" name="直線矢印コネクタ 41"/>
+          <p:cNvCxnSpPr>
+            <a:stCxn id="40" idx="3"/>
+          </p:cNvCxnSpPr>
+          <p:nvPr/>
+        </p:nvCxnSpPr>
+        <p:spPr>
+          <a:xfrm flipV="1">
+            <a:off x="2771800" y="5196642"/>
+            <a:ext cx="1835995" cy="733073"/>
+          </a:xfrm>
+          <a:prstGeom prst="straightConnector1">
+            <a:avLst/>
+          </a:prstGeom>
+          <a:ln w="19050">
+            <a:solidFill>
+              <a:schemeClr val="tx1"/>
+            </a:solidFill>
+            <a:prstDash val="sysDash"/>
+            <a:tailEnd type="triangle" w="lg" len="med"/>
+          </a:ln>
+        </p:spPr>
+        <p:style>
+          <a:lnRef idx="1">
+            <a:schemeClr val="accent1"/>
+          </a:lnRef>
+          <a:fillRef idx="0">
+            <a:schemeClr val="accent1"/>
+          </a:fillRef>
+          <a:effectRef idx="0">
+            <a:schemeClr val="accent1"/>
+          </a:effectRef>
+          <a:fontRef idx="minor">
+            <a:schemeClr val="tx1"/>
+          </a:fontRef>
+        </p:style>
+      </p:cxnSp>
+      <p:cxnSp>
+        <p:nvCxnSpPr>
+          <p:cNvPr id="43" name="直線矢印コネクタ 42"/>
+          <p:cNvCxnSpPr>
+            <a:stCxn id="41" idx="3"/>
+          </p:cNvCxnSpPr>
+          <p:nvPr/>
+        </p:nvCxnSpPr>
+        <p:spPr>
+          <a:xfrm flipV="1">
+            <a:off x="2537581" y="5196642"/>
+            <a:ext cx="3294769" cy="1018356"/>
+          </a:xfrm>
+          <a:prstGeom prst="straightConnector1">
+            <a:avLst/>
+          </a:prstGeom>
+          <a:ln w="19050">
+            <a:solidFill>
+              <a:schemeClr val="tx1"/>
+            </a:solidFill>
+            <a:prstDash val="sysDash"/>
+            <a:tailEnd type="triangle" w="lg" len="med"/>
+          </a:ln>
+        </p:spPr>
+        <p:style>
+          <a:lnRef idx="1">
+            <a:schemeClr val="accent1"/>
+          </a:lnRef>
+          <a:fillRef idx="0">
+            <a:schemeClr val="accent1"/>
+          </a:fillRef>
+          <a:effectRef idx="0">
+            <a:schemeClr val="accent1"/>
+          </a:effectRef>
+          <a:fontRef idx="minor">
+            <a:schemeClr val="tx1"/>
+          </a:fontRef>
+        </p:style>
+      </p:cxnSp>
     </p:spTree>
     <p:extLst>
       <p:ext uri="{BB962C8B-B14F-4D97-AF65-F5344CB8AC3E}">
@@ -7250,119 +7243,6 @@
       </p:sp>
       <p:sp>
         <p:nvSpPr>
-          <p:cNvPr id="191" name="正方形/長方形 190"/>
-          <p:cNvSpPr/>
-          <p:nvPr/>
-        </p:nvSpPr>
-        <p:spPr>
-          <a:xfrm>
-            <a:off x="1403648" y="5798691"/>
-            <a:ext cx="1981492" cy="262047"/>
-          </a:xfrm>
-          <a:prstGeom prst="rect">
-            <a:avLst/>
-          </a:prstGeom>
-          <a:noFill/>
-          <a:ln>
-            <a:noFill/>
-          </a:ln>
-        </p:spPr>
-        <p:style>
-          <a:lnRef idx="2">
-            <a:schemeClr val="accent1">
-              <a:shade val="50000"/>
-            </a:schemeClr>
-          </a:lnRef>
-          <a:fillRef idx="1">
-            <a:schemeClr val="accent1"/>
-          </a:fillRef>
-          <a:effectRef idx="0">
-            <a:schemeClr val="accent1"/>
-          </a:effectRef>
-          <a:fontRef idx="minor">
-            <a:schemeClr val="lt1"/>
-          </a:fontRef>
-        </p:style>
-        <p:txBody>
-          <a:bodyPr rtlCol="0" anchor="ctr"/>
-          <a:lstStyle/>
-          <a:p>
-            <a:r>
-              <a:rPr lang="en-US" altLang="ja-JP" dirty="0" smtClean="0">
-                <a:solidFill>
-                  <a:schemeClr val="tx1"/>
-                </a:solidFill>
-              </a:rPr>
-              <a:t>hoge/Readme.md</a:t>
-            </a:r>
-          </a:p>
-        </p:txBody>
-      </p:sp>
-      <p:sp>
-        <p:nvSpPr>
-          <p:cNvPr id="192" name="正方形/長方形 191"/>
-          <p:cNvSpPr/>
-          <p:nvPr/>
-        </p:nvSpPr>
-        <p:spPr>
-          <a:xfrm>
-            <a:off x="1403648" y="6070982"/>
-            <a:ext cx="1642273" cy="288032"/>
-          </a:xfrm>
-          <a:prstGeom prst="rect">
-            <a:avLst/>
-          </a:prstGeom>
-          <a:noFill/>
-          <a:ln>
-            <a:noFill/>
-          </a:ln>
-        </p:spPr>
-        <p:style>
-          <a:lnRef idx="2">
-            <a:schemeClr val="accent1">
-              <a:shade val="50000"/>
-            </a:schemeClr>
-          </a:lnRef>
-          <a:fillRef idx="1">
-            <a:schemeClr val="accent1"/>
-          </a:fillRef>
-          <a:effectRef idx="0">
-            <a:schemeClr val="accent1"/>
-          </a:effectRef>
-          <a:fontRef idx="minor">
-            <a:schemeClr val="lt1"/>
-          </a:fontRef>
-        </p:style>
-        <p:txBody>
-          <a:bodyPr rtlCol="0" anchor="ctr"/>
-          <a:lstStyle/>
-          <a:p>
-            <a:r>
-              <a:rPr lang="en-US" altLang="ja-JP" dirty="0" err="1" smtClean="0">
-                <a:solidFill>
-                  <a:schemeClr val="tx1"/>
-                </a:solidFill>
-              </a:rPr>
-              <a:t>hoge</a:t>
-            </a:r>
-            <a:r>
-              <a:rPr lang="en-US" altLang="ja-JP" dirty="0" smtClean="0">
-                <a:solidFill>
-                  <a:schemeClr val="tx1"/>
-                </a:solidFill>
-              </a:rPr>
-              <a:t>/Foo.java</a:t>
-            </a:r>
-            <a:endParaRPr kumimoji="1" lang="ja-JP" altLang="en-US" dirty="0">
-              <a:solidFill>
-                <a:schemeClr val="tx1"/>
-              </a:solidFill>
-            </a:endParaRPr>
-          </a:p>
-        </p:txBody>
-      </p:sp>
-      <p:sp>
-        <p:nvSpPr>
           <p:cNvPr id="193" name="角丸四角形 192"/>
           <p:cNvSpPr/>
           <p:nvPr/>
@@ -7448,86 +7328,6 @@
           </a:p>
         </p:txBody>
       </p:sp>
-      <p:cxnSp>
-        <p:nvCxnSpPr>
-          <p:cNvPr id="195" name="直線矢印コネクタ 194"/>
-          <p:cNvCxnSpPr>
-            <a:stCxn id="191" idx="3"/>
-            <a:endCxn id="193" idx="2"/>
-          </p:cNvCxnSpPr>
-          <p:nvPr/>
-        </p:nvCxnSpPr>
-        <p:spPr>
-          <a:xfrm flipV="1">
-            <a:off x="3385140" y="5196642"/>
-            <a:ext cx="1222655" cy="733073"/>
-          </a:xfrm>
-          <a:prstGeom prst="straightConnector1">
-            <a:avLst/>
-          </a:prstGeom>
-          <a:ln w="19050">
-            <a:solidFill>
-              <a:schemeClr val="tx1"/>
-            </a:solidFill>
-            <a:prstDash val="sysDash"/>
-            <a:tailEnd type="triangle" w="lg" len="med"/>
-          </a:ln>
-        </p:spPr>
-        <p:style>
-          <a:lnRef idx="1">
-            <a:schemeClr val="accent1"/>
-          </a:lnRef>
-          <a:fillRef idx="0">
-            <a:schemeClr val="accent1"/>
-          </a:fillRef>
-          <a:effectRef idx="0">
-            <a:schemeClr val="accent1"/>
-          </a:effectRef>
-          <a:fontRef idx="minor">
-            <a:schemeClr val="tx1"/>
-          </a:fontRef>
-        </p:style>
-      </p:cxnSp>
-      <p:cxnSp>
-        <p:nvCxnSpPr>
-          <p:cNvPr id="196" name="直線矢印コネクタ 195"/>
-          <p:cNvCxnSpPr>
-            <a:stCxn id="192" idx="3"/>
-            <a:endCxn id="194" idx="2"/>
-          </p:cNvCxnSpPr>
-          <p:nvPr/>
-        </p:nvCxnSpPr>
-        <p:spPr>
-          <a:xfrm flipV="1">
-            <a:off x="3045921" y="5196642"/>
-            <a:ext cx="2786429" cy="1018356"/>
-          </a:xfrm>
-          <a:prstGeom prst="straightConnector1">
-            <a:avLst/>
-          </a:prstGeom>
-          <a:ln w="19050">
-            <a:solidFill>
-              <a:schemeClr val="tx1"/>
-            </a:solidFill>
-            <a:prstDash val="sysDash"/>
-            <a:tailEnd type="triangle" w="lg" len="med"/>
-          </a:ln>
-        </p:spPr>
-        <p:style>
-          <a:lnRef idx="1">
-            <a:schemeClr val="accent1"/>
-          </a:lnRef>
-          <a:fillRef idx="0">
-            <a:schemeClr val="accent1"/>
-          </a:fillRef>
-          <a:effectRef idx="0">
-            <a:schemeClr val="accent1"/>
-          </a:effectRef>
-          <a:fontRef idx="minor">
-            <a:schemeClr val="tx1"/>
-          </a:fontRef>
-        </p:style>
-      </p:cxnSp>
       <p:sp>
         <p:nvSpPr>
           <p:cNvPr id="197" name="二等辺三角形 196"/>
@@ -8264,7 +8064,7 @@
         <p:spPr>
           <a:xfrm>
             <a:off x="1403648" y="6369257"/>
-            <a:ext cx="1642273" cy="288032"/>
+            <a:ext cx="1133933" cy="288032"/>
           </a:xfrm>
           <a:prstGeom prst="rect">
             <a:avLst/>
@@ -8294,21 +8094,13 @@
           <a:bodyPr rtlCol="0" anchor="ctr"/>
           <a:lstStyle/>
           <a:p>
-            <a:r>
-              <a:rPr lang="en-US" altLang="ja-JP" dirty="0" err="1" smtClean="0">
-                <a:solidFill>
-                  <a:schemeClr val="tx1"/>
-                </a:solidFill>
-              </a:rPr>
-              <a:t>hoge</a:t>
-            </a:r>
             <a:r>
               <a:rPr lang="en-US" altLang="ja-JP" dirty="0" smtClean="0">
                 <a:solidFill>
                   <a:schemeClr val="tx1"/>
                 </a:solidFill>
               </a:rPr>
-              <a:t>/New.java</a:t>
+              <a:t>New.java</a:t>
             </a:r>
             <a:endParaRPr kumimoji="1" lang="ja-JP" altLang="en-US" dirty="0">
               <a:solidFill>
@@ -8329,8 +8121,8 @@
         </p:nvCxnSpPr>
         <p:spPr>
           <a:xfrm flipV="1">
-            <a:off x="3045921" y="5188754"/>
-            <a:ext cx="4018530" cy="1324519"/>
+            <a:off x="2537581" y="5188754"/>
+            <a:ext cx="4526870" cy="1324519"/>
           </a:xfrm>
           <a:prstGeom prst="straightConnector1">
             <a:avLst/>
@@ -8733,6 +8525,189 @@
           </a:p>
         </p:txBody>
       </p:sp>
+      <p:sp>
+        <p:nvSpPr>
+          <p:cNvPr id="43" name="正方形/長方形 42"/>
+          <p:cNvSpPr/>
+          <p:nvPr/>
+        </p:nvSpPr>
+        <p:spPr>
+          <a:xfrm>
+            <a:off x="1403648" y="5798691"/>
+            <a:ext cx="1368152" cy="262047"/>
+          </a:xfrm>
+          <a:prstGeom prst="rect">
+            <a:avLst/>
+          </a:prstGeom>
+          <a:noFill/>
+          <a:ln>
+            <a:noFill/>
+          </a:ln>
+        </p:spPr>
+        <p:style>
+          <a:lnRef idx="2">
+            <a:schemeClr val="accent1">
+              <a:shade val="50000"/>
+            </a:schemeClr>
+          </a:lnRef>
+          <a:fillRef idx="1">
+            <a:schemeClr val="accent1"/>
+          </a:fillRef>
+          <a:effectRef idx="0">
+            <a:schemeClr val="accent1"/>
+          </a:effectRef>
+          <a:fontRef idx="minor">
+            <a:schemeClr val="lt1"/>
+          </a:fontRef>
+        </p:style>
+        <p:txBody>
+          <a:bodyPr rtlCol="0" anchor="ctr"/>
+          <a:lstStyle/>
+          <a:p>
+            <a:r>
+              <a:rPr lang="en-US" altLang="ja-JP" dirty="0" smtClean="0">
+                <a:solidFill>
+                  <a:schemeClr val="tx1"/>
+                </a:solidFill>
+              </a:rPr>
+              <a:t>Readme.md</a:t>
+            </a:r>
+          </a:p>
+        </p:txBody>
+      </p:sp>
+      <p:sp>
+        <p:nvSpPr>
+          <p:cNvPr id="44" name="正方形/長方形 43"/>
+          <p:cNvSpPr/>
+          <p:nvPr/>
+        </p:nvSpPr>
+        <p:spPr>
+          <a:xfrm>
+            <a:off x="1403648" y="6070982"/>
+            <a:ext cx="1133933" cy="288032"/>
+          </a:xfrm>
+          <a:prstGeom prst="rect">
+            <a:avLst/>
+          </a:prstGeom>
+          <a:noFill/>
+          <a:ln>
+            <a:noFill/>
+          </a:ln>
+        </p:spPr>
+        <p:style>
+          <a:lnRef idx="2">
+            <a:schemeClr val="accent1">
+              <a:shade val="50000"/>
+            </a:schemeClr>
+          </a:lnRef>
+          <a:fillRef idx="1">
+            <a:schemeClr val="accent1"/>
+          </a:fillRef>
+          <a:effectRef idx="0">
+            <a:schemeClr val="accent1"/>
+          </a:effectRef>
+          <a:fontRef idx="minor">
+            <a:schemeClr val="lt1"/>
+          </a:fontRef>
+        </p:style>
+        <p:txBody>
+          <a:bodyPr rtlCol="0" anchor="ctr"/>
+          <a:lstStyle/>
+          <a:p>
+            <a:r>
+              <a:rPr lang="en-US" altLang="ja-JP" dirty="0" smtClean="0">
+                <a:solidFill>
+                  <a:schemeClr val="tx1"/>
+                </a:solidFill>
+              </a:rPr>
+              <a:t>Foo.java</a:t>
+            </a:r>
+            <a:endParaRPr kumimoji="1" lang="ja-JP" altLang="en-US" dirty="0">
+              <a:solidFill>
+                <a:schemeClr val="tx1"/>
+              </a:solidFill>
+            </a:endParaRPr>
+          </a:p>
+        </p:txBody>
+      </p:sp>
+      <p:cxnSp>
+        <p:nvCxnSpPr>
+          <p:cNvPr id="45" name="直線矢印コネクタ 44"/>
+          <p:cNvCxnSpPr>
+            <a:stCxn id="43" idx="3"/>
+          </p:cNvCxnSpPr>
+          <p:nvPr/>
+        </p:nvCxnSpPr>
+        <p:spPr>
+          <a:xfrm flipV="1">
+            <a:off x="2771800" y="5196642"/>
+            <a:ext cx="1835995" cy="733073"/>
+          </a:xfrm>
+          <a:prstGeom prst="straightConnector1">
+            <a:avLst/>
+          </a:prstGeom>
+          <a:ln w="19050">
+            <a:solidFill>
+              <a:schemeClr val="tx1"/>
+            </a:solidFill>
+            <a:prstDash val="sysDash"/>
+            <a:tailEnd type="triangle" w="lg" len="med"/>
+          </a:ln>
+        </p:spPr>
+        <p:style>
+          <a:lnRef idx="1">
+            <a:schemeClr val="accent1"/>
+          </a:lnRef>
+          <a:fillRef idx="0">
+            <a:schemeClr val="accent1"/>
+          </a:fillRef>
+          <a:effectRef idx="0">
+            <a:schemeClr val="accent1"/>
+          </a:effectRef>
+          <a:fontRef idx="minor">
+            <a:schemeClr val="tx1"/>
+          </a:fontRef>
+        </p:style>
+      </p:cxnSp>
+      <p:cxnSp>
+        <p:nvCxnSpPr>
+          <p:cNvPr id="46" name="直線矢印コネクタ 45"/>
+          <p:cNvCxnSpPr>
+            <a:stCxn id="44" idx="3"/>
+          </p:cNvCxnSpPr>
+          <p:nvPr/>
+        </p:nvCxnSpPr>
+        <p:spPr>
+          <a:xfrm flipV="1">
+            <a:off x="2537581" y="5196642"/>
+            <a:ext cx="3294769" cy="1018356"/>
+          </a:xfrm>
+          <a:prstGeom prst="straightConnector1">
+            <a:avLst/>
+          </a:prstGeom>
+          <a:ln w="19050">
+            <a:solidFill>
+              <a:schemeClr val="tx1"/>
+            </a:solidFill>
+            <a:prstDash val="sysDash"/>
+            <a:tailEnd type="triangle" w="lg" len="med"/>
+          </a:ln>
+        </p:spPr>
+        <p:style>
+          <a:lnRef idx="1">
+            <a:schemeClr val="accent1"/>
+          </a:lnRef>
+          <a:fillRef idx="0">
+            <a:schemeClr val="accent1"/>
+          </a:fillRef>
+          <a:effectRef idx="0">
+            <a:schemeClr val="accent1"/>
+          </a:effectRef>
+          <a:fontRef idx="minor">
+            <a:schemeClr val="tx1"/>
+          </a:fontRef>
+        </p:style>
+      </p:cxnSp>
     </p:spTree>
     <p:extLst>
       <p:ext uri="{BB962C8B-B14F-4D97-AF65-F5344CB8AC3E}">
@@ -9230,119 +9205,6 @@
       </p:sp>
       <p:sp>
         <p:nvSpPr>
-          <p:cNvPr id="157" name="正方形/長方形 156"/>
-          <p:cNvSpPr/>
-          <p:nvPr/>
-        </p:nvSpPr>
-        <p:spPr>
-          <a:xfrm>
-            <a:off x="1403648" y="5798691"/>
-            <a:ext cx="1981492" cy="262047"/>
-          </a:xfrm>
-          <a:prstGeom prst="rect">
-            <a:avLst/>
-          </a:prstGeom>
-          <a:noFill/>
-          <a:ln>
-            <a:noFill/>
-          </a:ln>
-        </p:spPr>
-        <p:style>
-          <a:lnRef idx="2">
-            <a:schemeClr val="accent1">
-              <a:shade val="50000"/>
-            </a:schemeClr>
-          </a:lnRef>
-          <a:fillRef idx="1">
-            <a:schemeClr val="accent1"/>
-          </a:fillRef>
-          <a:effectRef idx="0">
-            <a:schemeClr val="accent1"/>
-          </a:effectRef>
-          <a:fontRef idx="minor">
-            <a:schemeClr val="lt1"/>
-          </a:fontRef>
-        </p:style>
-        <p:txBody>
-          <a:bodyPr rtlCol="0" anchor="ctr"/>
-          <a:lstStyle/>
-          <a:p>
-            <a:r>
-              <a:rPr lang="en-US" altLang="ja-JP" dirty="0" smtClean="0">
-                <a:solidFill>
-                  <a:schemeClr val="tx1"/>
-                </a:solidFill>
-              </a:rPr>
-              <a:t>hoge/Readme.md</a:t>
-            </a:r>
-          </a:p>
-        </p:txBody>
-      </p:sp>
-      <p:sp>
-        <p:nvSpPr>
-          <p:cNvPr id="158" name="正方形/長方形 157"/>
-          <p:cNvSpPr/>
-          <p:nvPr/>
-        </p:nvSpPr>
-        <p:spPr>
-          <a:xfrm>
-            <a:off x="1403648" y="6070982"/>
-            <a:ext cx="1642273" cy="288032"/>
-          </a:xfrm>
-          <a:prstGeom prst="rect">
-            <a:avLst/>
-          </a:prstGeom>
-          <a:noFill/>
-          <a:ln>
-            <a:noFill/>
-          </a:ln>
-        </p:spPr>
-        <p:style>
-          <a:lnRef idx="2">
-            <a:schemeClr val="accent1">
-              <a:shade val="50000"/>
-            </a:schemeClr>
-          </a:lnRef>
-          <a:fillRef idx="1">
-            <a:schemeClr val="accent1"/>
-          </a:fillRef>
-          <a:effectRef idx="0">
-            <a:schemeClr val="accent1"/>
-          </a:effectRef>
-          <a:fontRef idx="minor">
-            <a:schemeClr val="lt1"/>
-          </a:fontRef>
-        </p:style>
-        <p:txBody>
-          <a:bodyPr rtlCol="0" anchor="ctr"/>
-          <a:lstStyle/>
-          <a:p>
-            <a:r>
-              <a:rPr lang="en-US" altLang="ja-JP" dirty="0" err="1" smtClean="0">
-                <a:solidFill>
-                  <a:schemeClr val="tx1"/>
-                </a:solidFill>
-              </a:rPr>
-              <a:t>hoge</a:t>
-            </a:r>
-            <a:r>
-              <a:rPr lang="en-US" altLang="ja-JP" dirty="0" smtClean="0">
-                <a:solidFill>
-                  <a:schemeClr val="tx1"/>
-                </a:solidFill>
-              </a:rPr>
-              <a:t>/Foo.java</a:t>
-            </a:r>
-            <a:endParaRPr kumimoji="1" lang="ja-JP" altLang="en-US" dirty="0">
-              <a:solidFill>
-                <a:schemeClr val="tx1"/>
-              </a:solidFill>
-            </a:endParaRPr>
-          </a:p>
-        </p:txBody>
-      </p:sp>
-      <p:sp>
-        <p:nvSpPr>
           <p:cNvPr id="159" name="角丸四角形 158"/>
           <p:cNvSpPr/>
           <p:nvPr/>
@@ -9428,86 +9290,6 @@
           </a:p>
         </p:txBody>
       </p:sp>
-      <p:cxnSp>
-        <p:nvCxnSpPr>
-          <p:cNvPr id="161" name="直線矢印コネクタ 160"/>
-          <p:cNvCxnSpPr>
-            <a:stCxn id="157" idx="3"/>
-            <a:endCxn id="159" idx="2"/>
-          </p:cNvCxnSpPr>
-          <p:nvPr/>
-        </p:nvCxnSpPr>
-        <p:spPr>
-          <a:xfrm flipV="1">
-            <a:off x="3385140" y="5196642"/>
-            <a:ext cx="1222655" cy="733073"/>
-          </a:xfrm>
-          <a:prstGeom prst="straightConnector1">
-            <a:avLst/>
-          </a:prstGeom>
-          <a:ln w="19050">
-            <a:solidFill>
-              <a:schemeClr val="tx1"/>
-            </a:solidFill>
-            <a:prstDash val="sysDash"/>
-            <a:tailEnd type="triangle" w="lg" len="med"/>
-          </a:ln>
-        </p:spPr>
-        <p:style>
-          <a:lnRef idx="1">
-            <a:schemeClr val="accent1"/>
-          </a:lnRef>
-          <a:fillRef idx="0">
-            <a:schemeClr val="accent1"/>
-          </a:fillRef>
-          <a:effectRef idx="0">
-            <a:schemeClr val="accent1"/>
-          </a:effectRef>
-          <a:fontRef idx="minor">
-            <a:schemeClr val="tx1"/>
-          </a:fontRef>
-        </p:style>
-      </p:cxnSp>
-      <p:cxnSp>
-        <p:nvCxnSpPr>
-          <p:cNvPr id="162" name="直線矢印コネクタ 161"/>
-          <p:cNvCxnSpPr>
-            <a:stCxn id="158" idx="3"/>
-            <a:endCxn id="160" idx="2"/>
-          </p:cNvCxnSpPr>
-          <p:nvPr/>
-        </p:nvCxnSpPr>
-        <p:spPr>
-          <a:xfrm flipV="1">
-            <a:off x="3045921" y="5196642"/>
-            <a:ext cx="2786429" cy="1018356"/>
-          </a:xfrm>
-          <a:prstGeom prst="straightConnector1">
-            <a:avLst/>
-          </a:prstGeom>
-          <a:ln w="19050">
-            <a:solidFill>
-              <a:schemeClr val="tx1"/>
-            </a:solidFill>
-            <a:prstDash val="sysDash"/>
-            <a:tailEnd type="triangle" w="lg" len="med"/>
-          </a:ln>
-        </p:spPr>
-        <p:style>
-          <a:lnRef idx="1">
-            <a:schemeClr val="accent1"/>
-          </a:lnRef>
-          <a:fillRef idx="0">
-            <a:schemeClr val="accent1"/>
-          </a:fillRef>
-          <a:effectRef idx="0">
-            <a:schemeClr val="accent1"/>
-          </a:effectRef>
-          <a:fontRef idx="minor">
-            <a:schemeClr val="tx1"/>
-          </a:fontRef>
-        </p:style>
-      </p:cxnSp>
       <p:sp>
         <p:nvSpPr>
           <p:cNvPr id="163" name="二等辺三角形 162"/>
@@ -10237,109 +10019,6 @@
       </p:sp>
       <p:sp>
         <p:nvSpPr>
-          <p:cNvPr id="182" name="正方形/長方形 181"/>
-          <p:cNvSpPr/>
-          <p:nvPr/>
-        </p:nvSpPr>
-        <p:spPr>
-          <a:xfrm>
-            <a:off x="1403648" y="6369257"/>
-            <a:ext cx="1642273" cy="288032"/>
-          </a:xfrm>
-          <a:prstGeom prst="rect">
-            <a:avLst/>
-          </a:prstGeom>
-          <a:noFill/>
-          <a:ln>
-            <a:noFill/>
-          </a:ln>
-        </p:spPr>
-        <p:style>
-          <a:lnRef idx="2">
-            <a:schemeClr val="accent1">
-              <a:shade val="50000"/>
-            </a:schemeClr>
-          </a:lnRef>
-          <a:fillRef idx="1">
-            <a:schemeClr val="accent1"/>
-          </a:fillRef>
-          <a:effectRef idx="0">
-            <a:schemeClr val="accent1"/>
-          </a:effectRef>
-          <a:fontRef idx="minor">
-            <a:schemeClr val="lt1"/>
-          </a:fontRef>
-        </p:style>
-        <p:txBody>
-          <a:bodyPr rtlCol="0" anchor="ctr"/>
-          <a:lstStyle/>
-          <a:p>
-            <a:r>
-              <a:rPr lang="en-US" altLang="ja-JP" dirty="0" err="1" smtClean="0">
-                <a:solidFill>
-                  <a:schemeClr val="tx1"/>
-                </a:solidFill>
-              </a:rPr>
-              <a:t>hoge</a:t>
-            </a:r>
-            <a:r>
-              <a:rPr lang="en-US" altLang="ja-JP" dirty="0" smtClean="0">
-                <a:solidFill>
-                  <a:schemeClr val="tx1"/>
-                </a:solidFill>
-              </a:rPr>
-              <a:t>/New.java</a:t>
-            </a:r>
-            <a:endParaRPr kumimoji="1" lang="ja-JP" altLang="en-US" dirty="0">
-              <a:solidFill>
-                <a:schemeClr val="tx1"/>
-              </a:solidFill>
-            </a:endParaRPr>
-          </a:p>
-        </p:txBody>
-      </p:sp>
-      <p:cxnSp>
-        <p:nvCxnSpPr>
-          <p:cNvPr id="183" name="直線矢印コネクタ 182"/>
-          <p:cNvCxnSpPr>
-            <a:stCxn id="182" idx="3"/>
-            <a:endCxn id="181" idx="2"/>
-          </p:cNvCxnSpPr>
-          <p:nvPr/>
-        </p:nvCxnSpPr>
-        <p:spPr>
-          <a:xfrm flipV="1">
-            <a:off x="3045921" y="5188754"/>
-            <a:ext cx="4018530" cy="1324519"/>
-          </a:xfrm>
-          <a:prstGeom prst="straightConnector1">
-            <a:avLst/>
-          </a:prstGeom>
-          <a:ln w="19050">
-            <a:solidFill>
-              <a:schemeClr val="tx1"/>
-            </a:solidFill>
-            <a:prstDash val="sysDash"/>
-            <a:tailEnd type="triangle" w="lg" len="med"/>
-          </a:ln>
-        </p:spPr>
-        <p:style>
-          <a:lnRef idx="1">
-            <a:schemeClr val="accent1"/>
-          </a:lnRef>
-          <a:fillRef idx="0">
-            <a:schemeClr val="accent1"/>
-          </a:fillRef>
-          <a:effectRef idx="0">
-            <a:schemeClr val="accent1"/>
-          </a:effectRef>
-          <a:fontRef idx="minor">
-            <a:schemeClr val="tx1"/>
-          </a:fontRef>
-        </p:style>
-      </p:cxnSp>
-      <p:sp>
-        <p:nvSpPr>
           <p:cNvPr id="184" name="二等辺三角形 183"/>
           <p:cNvSpPr/>
           <p:nvPr/>
@@ -10969,6 +10648,283 @@
           </a:p>
         </p:txBody>
       </p:sp>
+      <p:sp>
+        <p:nvSpPr>
+          <p:cNvPr id="50" name="正方形/長方形 49"/>
+          <p:cNvSpPr/>
+          <p:nvPr/>
+        </p:nvSpPr>
+        <p:spPr>
+          <a:xfrm>
+            <a:off x="1403648" y="6369257"/>
+            <a:ext cx="1133933" cy="288032"/>
+          </a:xfrm>
+          <a:prstGeom prst="rect">
+            <a:avLst/>
+          </a:prstGeom>
+          <a:noFill/>
+          <a:ln>
+            <a:noFill/>
+          </a:ln>
+        </p:spPr>
+        <p:style>
+          <a:lnRef idx="2">
+            <a:schemeClr val="accent1">
+              <a:shade val="50000"/>
+            </a:schemeClr>
+          </a:lnRef>
+          <a:fillRef idx="1">
+            <a:schemeClr val="accent1"/>
+          </a:fillRef>
+          <a:effectRef idx="0">
+            <a:schemeClr val="accent1"/>
+          </a:effectRef>
+          <a:fontRef idx="minor">
+            <a:schemeClr val="lt1"/>
+          </a:fontRef>
+        </p:style>
+        <p:txBody>
+          <a:bodyPr rtlCol="0" anchor="ctr"/>
+          <a:lstStyle/>
+          <a:p>
+            <a:r>
+              <a:rPr lang="en-US" altLang="ja-JP" dirty="0" smtClean="0">
+                <a:solidFill>
+                  <a:schemeClr val="tx1"/>
+                </a:solidFill>
+              </a:rPr>
+              <a:t>New.java</a:t>
+            </a:r>
+            <a:endParaRPr kumimoji="1" lang="ja-JP" altLang="en-US" dirty="0">
+              <a:solidFill>
+                <a:schemeClr val="tx1"/>
+              </a:solidFill>
+            </a:endParaRPr>
+          </a:p>
+        </p:txBody>
+      </p:sp>
+      <p:cxnSp>
+        <p:nvCxnSpPr>
+          <p:cNvPr id="51" name="直線矢印コネクタ 50"/>
+          <p:cNvCxnSpPr>
+            <a:stCxn id="50" idx="3"/>
+          </p:cNvCxnSpPr>
+          <p:nvPr/>
+        </p:nvCxnSpPr>
+        <p:spPr>
+          <a:xfrm flipV="1">
+            <a:off x="2537581" y="5188754"/>
+            <a:ext cx="4526870" cy="1324519"/>
+          </a:xfrm>
+          <a:prstGeom prst="straightConnector1">
+            <a:avLst/>
+          </a:prstGeom>
+          <a:ln w="19050">
+            <a:solidFill>
+              <a:schemeClr val="tx1"/>
+            </a:solidFill>
+            <a:prstDash val="sysDash"/>
+            <a:tailEnd type="triangle" w="lg" len="med"/>
+          </a:ln>
+        </p:spPr>
+        <p:style>
+          <a:lnRef idx="1">
+            <a:schemeClr val="accent1"/>
+          </a:lnRef>
+          <a:fillRef idx="0">
+            <a:schemeClr val="accent1"/>
+          </a:fillRef>
+          <a:effectRef idx="0">
+            <a:schemeClr val="accent1"/>
+          </a:effectRef>
+          <a:fontRef idx="minor">
+            <a:schemeClr val="tx1"/>
+          </a:fontRef>
+        </p:style>
+      </p:cxnSp>
+      <p:sp>
+        <p:nvSpPr>
+          <p:cNvPr id="52" name="正方形/長方形 51"/>
+          <p:cNvSpPr/>
+          <p:nvPr/>
+        </p:nvSpPr>
+        <p:spPr>
+          <a:xfrm>
+            <a:off x="1403648" y="5798691"/>
+            <a:ext cx="1368152" cy="262047"/>
+          </a:xfrm>
+          <a:prstGeom prst="rect">
+            <a:avLst/>
+          </a:prstGeom>
+          <a:noFill/>
+          <a:ln>
+            <a:noFill/>
+          </a:ln>
+        </p:spPr>
+        <p:style>
+          <a:lnRef idx="2">
+            <a:schemeClr val="accent1">
+              <a:shade val="50000"/>
+            </a:schemeClr>
+          </a:lnRef>
+          <a:fillRef idx="1">
+            <a:schemeClr val="accent1"/>
+          </a:fillRef>
+          <a:effectRef idx="0">
+            <a:schemeClr val="accent1"/>
+          </a:effectRef>
+          <a:fontRef idx="minor">
+            <a:schemeClr val="lt1"/>
+          </a:fontRef>
+        </p:style>
+        <p:txBody>
+          <a:bodyPr rtlCol="0" anchor="ctr"/>
+          <a:lstStyle/>
+          <a:p>
+            <a:r>
+              <a:rPr lang="en-US" altLang="ja-JP" dirty="0" smtClean="0">
+                <a:solidFill>
+                  <a:schemeClr val="tx1"/>
+                </a:solidFill>
+              </a:rPr>
+              <a:t>Readme.md</a:t>
+            </a:r>
+          </a:p>
+        </p:txBody>
+      </p:sp>
+      <p:sp>
+        <p:nvSpPr>
+          <p:cNvPr id="53" name="正方形/長方形 52"/>
+          <p:cNvSpPr/>
+          <p:nvPr/>
+        </p:nvSpPr>
+        <p:spPr>
+          <a:xfrm>
+            <a:off x="1403648" y="6070982"/>
+            <a:ext cx="1133933" cy="288032"/>
+          </a:xfrm>
+          <a:prstGeom prst="rect">
+            <a:avLst/>
+          </a:prstGeom>
+          <a:noFill/>
+          <a:ln>
+            <a:noFill/>
+          </a:ln>
+        </p:spPr>
+        <p:style>
+          <a:lnRef idx="2">
+            <a:schemeClr val="accent1">
+              <a:shade val="50000"/>
+            </a:schemeClr>
+          </a:lnRef>
+          <a:fillRef idx="1">
+            <a:schemeClr val="accent1"/>
+          </a:fillRef>
+          <a:effectRef idx="0">
+            <a:schemeClr val="accent1"/>
+          </a:effectRef>
+          <a:fontRef idx="minor">
+            <a:schemeClr val="lt1"/>
+          </a:fontRef>
+        </p:style>
+        <p:txBody>
+          <a:bodyPr rtlCol="0" anchor="ctr"/>
+          <a:lstStyle/>
+          <a:p>
+            <a:r>
+              <a:rPr lang="en-US" altLang="ja-JP" dirty="0" smtClean="0">
+                <a:solidFill>
+                  <a:schemeClr val="tx1"/>
+                </a:solidFill>
+              </a:rPr>
+              <a:t>Foo.java</a:t>
+            </a:r>
+            <a:endParaRPr kumimoji="1" lang="ja-JP" altLang="en-US" dirty="0">
+              <a:solidFill>
+                <a:schemeClr val="tx1"/>
+              </a:solidFill>
+            </a:endParaRPr>
+          </a:p>
+        </p:txBody>
+      </p:sp>
+      <p:cxnSp>
+        <p:nvCxnSpPr>
+          <p:cNvPr id="54" name="直線矢印コネクタ 53"/>
+          <p:cNvCxnSpPr>
+            <a:stCxn id="52" idx="3"/>
+          </p:cNvCxnSpPr>
+          <p:nvPr/>
+        </p:nvCxnSpPr>
+        <p:spPr>
+          <a:xfrm flipV="1">
+            <a:off x="2771800" y="5196642"/>
+            <a:ext cx="1835995" cy="733073"/>
+          </a:xfrm>
+          <a:prstGeom prst="straightConnector1">
+            <a:avLst/>
+          </a:prstGeom>
+          <a:ln w="19050">
+            <a:solidFill>
+              <a:schemeClr val="tx1"/>
+            </a:solidFill>
+            <a:prstDash val="sysDash"/>
+            <a:tailEnd type="triangle" w="lg" len="med"/>
+          </a:ln>
+        </p:spPr>
+        <p:style>
+          <a:lnRef idx="1">
+            <a:schemeClr val="accent1"/>
+          </a:lnRef>
+          <a:fillRef idx="0">
+            <a:schemeClr val="accent1"/>
+          </a:fillRef>
+          <a:effectRef idx="0">
+            <a:schemeClr val="accent1"/>
+          </a:effectRef>
+          <a:fontRef idx="minor">
+            <a:schemeClr val="tx1"/>
+          </a:fontRef>
+        </p:style>
+      </p:cxnSp>
+      <p:cxnSp>
+        <p:nvCxnSpPr>
+          <p:cNvPr id="55" name="直線矢印コネクタ 54"/>
+          <p:cNvCxnSpPr>
+            <a:stCxn id="53" idx="3"/>
+          </p:cNvCxnSpPr>
+          <p:nvPr/>
+        </p:nvCxnSpPr>
+        <p:spPr>
+          <a:xfrm flipV="1">
+            <a:off x="2537581" y="5196642"/>
+            <a:ext cx="3294769" cy="1018356"/>
+          </a:xfrm>
+          <a:prstGeom prst="straightConnector1">
+            <a:avLst/>
+          </a:prstGeom>
+          <a:ln w="19050">
+            <a:solidFill>
+              <a:schemeClr val="tx1"/>
+            </a:solidFill>
+            <a:prstDash val="sysDash"/>
+            <a:tailEnd type="triangle" w="lg" len="med"/>
+          </a:ln>
+        </p:spPr>
+        <p:style>
+          <a:lnRef idx="1">
+            <a:schemeClr val="accent1"/>
+          </a:lnRef>
+          <a:fillRef idx="0">
+            <a:schemeClr val="accent1"/>
+          </a:fillRef>
+          <a:effectRef idx="0">
+            <a:schemeClr val="accent1"/>
+          </a:effectRef>
+          <a:fontRef idx="minor">
+            <a:schemeClr val="tx1"/>
+          </a:fontRef>
+        </p:style>
+      </p:cxnSp>
     </p:spTree>
     <p:extLst>
       <p:ext uri="{BB962C8B-B14F-4D97-AF65-F5344CB8AC3E}">
@@ -11466,119 +11422,6 @@
       </p:sp>
       <p:sp>
         <p:nvSpPr>
-          <p:cNvPr id="157" name="正方形/長方形 156"/>
-          <p:cNvSpPr/>
-          <p:nvPr/>
-        </p:nvSpPr>
-        <p:spPr>
-          <a:xfrm>
-            <a:off x="1403648" y="5798691"/>
-            <a:ext cx="1981492" cy="262047"/>
-          </a:xfrm>
-          <a:prstGeom prst="rect">
-            <a:avLst/>
-          </a:prstGeom>
-          <a:noFill/>
-          <a:ln>
-            <a:noFill/>
-          </a:ln>
-        </p:spPr>
-        <p:style>
-          <a:lnRef idx="2">
-            <a:schemeClr val="accent1">
-              <a:shade val="50000"/>
-            </a:schemeClr>
-          </a:lnRef>
-          <a:fillRef idx="1">
-            <a:schemeClr val="accent1"/>
-          </a:fillRef>
-          <a:effectRef idx="0">
-            <a:schemeClr val="accent1"/>
-          </a:effectRef>
-          <a:fontRef idx="minor">
-            <a:schemeClr val="lt1"/>
-          </a:fontRef>
-        </p:style>
-        <p:txBody>
-          <a:bodyPr rtlCol="0" anchor="ctr"/>
-          <a:lstStyle/>
-          <a:p>
-            <a:r>
-              <a:rPr lang="en-US" altLang="ja-JP" dirty="0" smtClean="0">
-                <a:solidFill>
-                  <a:schemeClr val="tx1"/>
-                </a:solidFill>
-              </a:rPr>
-              <a:t>hoge/Readme.md</a:t>
-            </a:r>
-          </a:p>
-        </p:txBody>
-      </p:sp>
-      <p:sp>
-        <p:nvSpPr>
-          <p:cNvPr id="158" name="正方形/長方形 157"/>
-          <p:cNvSpPr/>
-          <p:nvPr/>
-        </p:nvSpPr>
-        <p:spPr>
-          <a:xfrm>
-            <a:off x="1403648" y="6070982"/>
-            <a:ext cx="1642273" cy="288032"/>
-          </a:xfrm>
-          <a:prstGeom prst="rect">
-            <a:avLst/>
-          </a:prstGeom>
-          <a:noFill/>
-          <a:ln>
-            <a:noFill/>
-          </a:ln>
-        </p:spPr>
-        <p:style>
-          <a:lnRef idx="2">
-            <a:schemeClr val="accent1">
-              <a:shade val="50000"/>
-            </a:schemeClr>
-          </a:lnRef>
-          <a:fillRef idx="1">
-            <a:schemeClr val="accent1"/>
-          </a:fillRef>
-          <a:effectRef idx="0">
-            <a:schemeClr val="accent1"/>
-          </a:effectRef>
-          <a:fontRef idx="minor">
-            <a:schemeClr val="lt1"/>
-          </a:fontRef>
-        </p:style>
-        <p:txBody>
-          <a:bodyPr rtlCol="0" anchor="ctr"/>
-          <a:lstStyle/>
-          <a:p>
-            <a:r>
-              <a:rPr lang="en-US" altLang="ja-JP" dirty="0" err="1" smtClean="0">
-                <a:solidFill>
-                  <a:schemeClr val="tx1"/>
-                </a:solidFill>
-              </a:rPr>
-              <a:t>hoge</a:t>
-            </a:r>
-            <a:r>
-              <a:rPr lang="en-US" altLang="ja-JP" dirty="0" smtClean="0">
-                <a:solidFill>
-                  <a:schemeClr val="tx1"/>
-                </a:solidFill>
-              </a:rPr>
-              <a:t>/Foo.java</a:t>
-            </a:r>
-            <a:endParaRPr kumimoji="1" lang="ja-JP" altLang="en-US" dirty="0">
-              <a:solidFill>
-                <a:schemeClr val="tx1"/>
-              </a:solidFill>
-            </a:endParaRPr>
-          </a:p>
-        </p:txBody>
-      </p:sp>
-      <p:sp>
-        <p:nvSpPr>
           <p:cNvPr id="159" name="角丸四角形 158"/>
           <p:cNvSpPr/>
           <p:nvPr/>
@@ -11664,86 +11507,6 @@
           </a:p>
         </p:txBody>
       </p:sp>
-      <p:cxnSp>
-        <p:nvCxnSpPr>
-          <p:cNvPr id="161" name="直線矢印コネクタ 160"/>
-          <p:cNvCxnSpPr>
-            <a:stCxn id="157" idx="3"/>
-            <a:endCxn id="159" idx="2"/>
-          </p:cNvCxnSpPr>
-          <p:nvPr/>
-        </p:nvCxnSpPr>
-        <p:spPr>
-          <a:xfrm flipV="1">
-            <a:off x="3385140" y="5196642"/>
-            <a:ext cx="1222655" cy="733073"/>
-          </a:xfrm>
-          <a:prstGeom prst="straightConnector1">
-            <a:avLst/>
-          </a:prstGeom>
-          <a:ln w="19050">
-            <a:solidFill>
-              <a:schemeClr val="tx1"/>
-            </a:solidFill>
-            <a:prstDash val="sysDash"/>
-            <a:tailEnd type="triangle" w="lg" len="med"/>
-          </a:ln>
-        </p:spPr>
-        <p:style>
-          <a:lnRef idx="1">
-            <a:schemeClr val="accent1"/>
-          </a:lnRef>
-          <a:fillRef idx="0">
-            <a:schemeClr val="accent1"/>
-          </a:fillRef>
-          <a:effectRef idx="0">
-            <a:schemeClr val="accent1"/>
-          </a:effectRef>
-          <a:fontRef idx="minor">
-            <a:schemeClr val="tx1"/>
-          </a:fontRef>
-        </p:style>
-      </p:cxnSp>
-      <p:cxnSp>
-        <p:nvCxnSpPr>
-          <p:cNvPr id="162" name="直線矢印コネクタ 161"/>
-          <p:cNvCxnSpPr>
-            <a:stCxn id="158" idx="3"/>
-            <a:endCxn id="160" idx="2"/>
-          </p:cNvCxnSpPr>
-          <p:nvPr/>
-        </p:nvCxnSpPr>
-        <p:spPr>
-          <a:xfrm flipV="1">
-            <a:off x="3045921" y="5196642"/>
-            <a:ext cx="2786429" cy="1018356"/>
-          </a:xfrm>
-          <a:prstGeom prst="straightConnector1">
-            <a:avLst/>
-          </a:prstGeom>
-          <a:ln w="19050">
-            <a:solidFill>
-              <a:schemeClr val="tx1"/>
-            </a:solidFill>
-            <a:prstDash val="sysDash"/>
-            <a:tailEnd type="triangle" w="lg" len="med"/>
-          </a:ln>
-        </p:spPr>
-        <p:style>
-          <a:lnRef idx="1">
-            <a:schemeClr val="accent1"/>
-          </a:lnRef>
-          <a:fillRef idx="0">
-            <a:schemeClr val="accent1"/>
-          </a:fillRef>
-          <a:effectRef idx="0">
-            <a:schemeClr val="accent1"/>
-          </a:effectRef>
-          <a:fontRef idx="minor">
-            <a:schemeClr val="tx1"/>
-          </a:fontRef>
-        </p:style>
-      </p:cxnSp>
       <p:sp>
         <p:nvSpPr>
           <p:cNvPr id="163" name="二等辺三角形 162"/>
@@ -12473,109 +12236,6 @@
       </p:sp>
       <p:sp>
         <p:nvSpPr>
-          <p:cNvPr id="182" name="正方形/長方形 181"/>
-          <p:cNvSpPr/>
-          <p:nvPr/>
-        </p:nvSpPr>
-        <p:spPr>
-          <a:xfrm>
-            <a:off x="1403648" y="6369257"/>
-            <a:ext cx="1642273" cy="288032"/>
-          </a:xfrm>
-          <a:prstGeom prst="rect">
-            <a:avLst/>
-          </a:prstGeom>
-          <a:noFill/>
-          <a:ln>
-            <a:noFill/>
-          </a:ln>
-        </p:spPr>
-        <p:style>
-          <a:lnRef idx="2">
-            <a:schemeClr val="accent1">
-              <a:shade val="50000"/>
-            </a:schemeClr>
-          </a:lnRef>
-          <a:fillRef idx="1">
-            <a:schemeClr val="accent1"/>
-          </a:fillRef>
-          <a:effectRef idx="0">
-            <a:schemeClr val="accent1"/>
-          </a:effectRef>
-          <a:fontRef idx="minor">
-            <a:schemeClr val="lt1"/>
-          </a:fontRef>
-        </p:style>
-        <p:txBody>
-          <a:bodyPr rtlCol="0" anchor="ctr"/>
-          <a:lstStyle/>
-          <a:p>
-            <a:r>
-              <a:rPr lang="en-US" altLang="ja-JP" dirty="0" err="1" smtClean="0">
-                <a:solidFill>
-                  <a:schemeClr val="tx1"/>
-                </a:solidFill>
-              </a:rPr>
-              <a:t>hoge</a:t>
-            </a:r>
-            <a:r>
-              <a:rPr lang="en-US" altLang="ja-JP" dirty="0" smtClean="0">
-                <a:solidFill>
-                  <a:schemeClr val="tx1"/>
-                </a:solidFill>
-              </a:rPr>
-              <a:t>/New.java</a:t>
-            </a:r>
-            <a:endParaRPr kumimoji="1" lang="ja-JP" altLang="en-US" dirty="0">
-              <a:solidFill>
-                <a:schemeClr val="tx1"/>
-              </a:solidFill>
-            </a:endParaRPr>
-          </a:p>
-        </p:txBody>
-      </p:sp>
-      <p:cxnSp>
-        <p:nvCxnSpPr>
-          <p:cNvPr id="183" name="直線矢印コネクタ 182"/>
-          <p:cNvCxnSpPr>
-            <a:stCxn id="182" idx="3"/>
-            <a:endCxn id="181" idx="2"/>
-          </p:cNvCxnSpPr>
-          <p:nvPr/>
-        </p:nvCxnSpPr>
-        <p:spPr>
-          <a:xfrm flipV="1">
-            <a:off x="3045921" y="5188754"/>
-            <a:ext cx="4018530" cy="1324519"/>
-          </a:xfrm>
-          <a:prstGeom prst="straightConnector1">
-            <a:avLst/>
-          </a:prstGeom>
-          <a:ln w="19050">
-            <a:solidFill>
-              <a:schemeClr val="tx1"/>
-            </a:solidFill>
-            <a:prstDash val="sysDash"/>
-            <a:tailEnd type="triangle" w="lg" len="med"/>
-          </a:ln>
-        </p:spPr>
-        <p:style>
-          <a:lnRef idx="1">
-            <a:schemeClr val="accent1"/>
-          </a:lnRef>
-          <a:fillRef idx="0">
-            <a:schemeClr val="accent1"/>
-          </a:fillRef>
-          <a:effectRef idx="0">
-            <a:schemeClr val="accent1"/>
-          </a:effectRef>
-          <a:fontRef idx="minor">
-            <a:schemeClr val="tx1"/>
-          </a:fontRef>
-        </p:style>
-      </p:cxnSp>
-      <p:sp>
-        <p:nvSpPr>
           <p:cNvPr id="184" name="二等辺三角形 183"/>
           <p:cNvSpPr/>
           <p:nvPr/>
@@ -13225,6 +12885,283 @@
           </a:p>
         </p:txBody>
       </p:sp>
+      <p:sp>
+        <p:nvSpPr>
+          <p:cNvPr id="50" name="正方形/長方形 49"/>
+          <p:cNvSpPr/>
+          <p:nvPr/>
+        </p:nvSpPr>
+        <p:spPr>
+          <a:xfrm>
+            <a:off x="1403648" y="6369257"/>
+            <a:ext cx="1133933" cy="288032"/>
+          </a:xfrm>
+          <a:prstGeom prst="rect">
+            <a:avLst/>
+          </a:prstGeom>
+          <a:noFill/>
+          <a:ln>
+            <a:noFill/>
+          </a:ln>
+        </p:spPr>
+        <p:style>
+          <a:lnRef idx="2">
+            <a:schemeClr val="accent1">
+              <a:shade val="50000"/>
+            </a:schemeClr>
+          </a:lnRef>
+          <a:fillRef idx="1">
+            <a:schemeClr val="accent1"/>
+          </a:fillRef>
+          <a:effectRef idx="0">
+            <a:schemeClr val="accent1"/>
+          </a:effectRef>
+          <a:fontRef idx="minor">
+            <a:schemeClr val="lt1"/>
+          </a:fontRef>
+        </p:style>
+        <p:txBody>
+          <a:bodyPr rtlCol="0" anchor="ctr"/>
+          <a:lstStyle/>
+          <a:p>
+            <a:r>
+              <a:rPr lang="en-US" altLang="ja-JP" dirty="0" smtClean="0">
+                <a:solidFill>
+                  <a:schemeClr val="tx1"/>
+                </a:solidFill>
+              </a:rPr>
+              <a:t>New.java</a:t>
+            </a:r>
+            <a:endParaRPr kumimoji="1" lang="ja-JP" altLang="en-US" dirty="0">
+              <a:solidFill>
+                <a:schemeClr val="tx1"/>
+              </a:solidFill>
+            </a:endParaRPr>
+          </a:p>
+        </p:txBody>
+      </p:sp>
+      <p:cxnSp>
+        <p:nvCxnSpPr>
+          <p:cNvPr id="51" name="直線矢印コネクタ 50"/>
+          <p:cNvCxnSpPr>
+            <a:stCxn id="50" idx="3"/>
+          </p:cNvCxnSpPr>
+          <p:nvPr/>
+        </p:nvCxnSpPr>
+        <p:spPr>
+          <a:xfrm flipV="1">
+            <a:off x="2537581" y="5188754"/>
+            <a:ext cx="4526870" cy="1324519"/>
+          </a:xfrm>
+          <a:prstGeom prst="straightConnector1">
+            <a:avLst/>
+          </a:prstGeom>
+          <a:ln w="19050">
+            <a:solidFill>
+              <a:schemeClr val="tx1"/>
+            </a:solidFill>
+            <a:prstDash val="sysDash"/>
+            <a:tailEnd type="triangle" w="lg" len="med"/>
+          </a:ln>
+        </p:spPr>
+        <p:style>
+          <a:lnRef idx="1">
+            <a:schemeClr val="accent1"/>
+          </a:lnRef>
+          <a:fillRef idx="0">
+            <a:schemeClr val="accent1"/>
+          </a:fillRef>
+          <a:effectRef idx="0">
+            <a:schemeClr val="accent1"/>
+          </a:effectRef>
+          <a:fontRef idx="minor">
+            <a:schemeClr val="tx1"/>
+          </a:fontRef>
+        </p:style>
+      </p:cxnSp>
+      <p:sp>
+        <p:nvSpPr>
+          <p:cNvPr id="52" name="正方形/長方形 51"/>
+          <p:cNvSpPr/>
+          <p:nvPr/>
+        </p:nvSpPr>
+        <p:spPr>
+          <a:xfrm>
+            <a:off x="1403648" y="5798691"/>
+            <a:ext cx="1368152" cy="262047"/>
+          </a:xfrm>
+          <a:prstGeom prst="rect">
+            <a:avLst/>
+          </a:prstGeom>
+          <a:noFill/>
+          <a:ln>
+            <a:noFill/>
+          </a:ln>
+        </p:spPr>
+        <p:style>
+          <a:lnRef idx="2">
+            <a:schemeClr val="accent1">
+              <a:shade val="50000"/>
+            </a:schemeClr>
+          </a:lnRef>
+          <a:fillRef idx="1">
+            <a:schemeClr val="accent1"/>
+          </a:fillRef>
+          <a:effectRef idx="0">
+            <a:schemeClr val="accent1"/>
+          </a:effectRef>
+          <a:fontRef idx="minor">
+            <a:schemeClr val="lt1"/>
+          </a:fontRef>
+        </p:style>
+        <p:txBody>
+          <a:bodyPr rtlCol="0" anchor="ctr"/>
+          <a:lstStyle/>
+          <a:p>
+            <a:r>
+              <a:rPr lang="en-US" altLang="ja-JP" dirty="0" smtClean="0">
+                <a:solidFill>
+                  <a:schemeClr val="tx1"/>
+                </a:solidFill>
+              </a:rPr>
+              <a:t>Readme.md</a:t>
+            </a:r>
+          </a:p>
+        </p:txBody>
+      </p:sp>
+      <p:sp>
+        <p:nvSpPr>
+          <p:cNvPr id="53" name="正方形/長方形 52"/>
+          <p:cNvSpPr/>
+          <p:nvPr/>
+        </p:nvSpPr>
+        <p:spPr>
+          <a:xfrm>
+            <a:off x="1403648" y="6070982"/>
+            <a:ext cx="1133933" cy="288032"/>
+          </a:xfrm>
+          <a:prstGeom prst="rect">
+            <a:avLst/>
+          </a:prstGeom>
+          <a:noFill/>
+          <a:ln>
+            <a:noFill/>
+          </a:ln>
+        </p:spPr>
+        <p:style>
+          <a:lnRef idx="2">
+            <a:schemeClr val="accent1">
+              <a:shade val="50000"/>
+            </a:schemeClr>
+          </a:lnRef>
+          <a:fillRef idx="1">
+            <a:schemeClr val="accent1"/>
+          </a:fillRef>
+          <a:effectRef idx="0">
+            <a:schemeClr val="accent1"/>
+          </a:effectRef>
+          <a:fontRef idx="minor">
+            <a:schemeClr val="lt1"/>
+          </a:fontRef>
+        </p:style>
+        <p:txBody>
+          <a:bodyPr rtlCol="0" anchor="ctr"/>
+          <a:lstStyle/>
+          <a:p>
+            <a:r>
+              <a:rPr lang="en-US" altLang="ja-JP" dirty="0" smtClean="0">
+                <a:solidFill>
+                  <a:schemeClr val="tx1"/>
+                </a:solidFill>
+              </a:rPr>
+              <a:t>Foo.java</a:t>
+            </a:r>
+            <a:endParaRPr kumimoji="1" lang="ja-JP" altLang="en-US" dirty="0">
+              <a:solidFill>
+                <a:schemeClr val="tx1"/>
+              </a:solidFill>
+            </a:endParaRPr>
+          </a:p>
+        </p:txBody>
+      </p:sp>
+      <p:cxnSp>
+        <p:nvCxnSpPr>
+          <p:cNvPr id="54" name="直線矢印コネクタ 53"/>
+          <p:cNvCxnSpPr>
+            <a:stCxn id="52" idx="3"/>
+          </p:cNvCxnSpPr>
+          <p:nvPr/>
+        </p:nvCxnSpPr>
+        <p:spPr>
+          <a:xfrm flipV="1">
+            <a:off x="2771800" y="5196642"/>
+            <a:ext cx="1835995" cy="733073"/>
+          </a:xfrm>
+          <a:prstGeom prst="straightConnector1">
+            <a:avLst/>
+          </a:prstGeom>
+          <a:ln w="19050">
+            <a:solidFill>
+              <a:schemeClr val="tx1"/>
+            </a:solidFill>
+            <a:prstDash val="sysDash"/>
+            <a:tailEnd type="triangle" w="lg" len="med"/>
+          </a:ln>
+        </p:spPr>
+        <p:style>
+          <a:lnRef idx="1">
+            <a:schemeClr val="accent1"/>
+          </a:lnRef>
+          <a:fillRef idx="0">
+            <a:schemeClr val="accent1"/>
+          </a:fillRef>
+          <a:effectRef idx="0">
+            <a:schemeClr val="accent1"/>
+          </a:effectRef>
+          <a:fontRef idx="minor">
+            <a:schemeClr val="tx1"/>
+          </a:fontRef>
+        </p:style>
+      </p:cxnSp>
+      <p:cxnSp>
+        <p:nvCxnSpPr>
+          <p:cNvPr id="55" name="直線矢印コネクタ 54"/>
+          <p:cNvCxnSpPr>
+            <a:stCxn id="53" idx="3"/>
+          </p:cNvCxnSpPr>
+          <p:nvPr/>
+        </p:nvCxnSpPr>
+        <p:spPr>
+          <a:xfrm flipV="1">
+            <a:off x="2537581" y="5196642"/>
+            <a:ext cx="3294769" cy="1018356"/>
+          </a:xfrm>
+          <a:prstGeom prst="straightConnector1">
+            <a:avLst/>
+          </a:prstGeom>
+          <a:ln w="19050">
+            <a:solidFill>
+              <a:schemeClr val="tx1"/>
+            </a:solidFill>
+            <a:prstDash val="sysDash"/>
+            <a:tailEnd type="triangle" w="lg" len="med"/>
+          </a:ln>
+        </p:spPr>
+        <p:style>
+          <a:lnRef idx="1">
+            <a:schemeClr val="accent1"/>
+          </a:lnRef>
+          <a:fillRef idx="0">
+            <a:schemeClr val="accent1"/>
+          </a:fillRef>
+          <a:effectRef idx="0">
+            <a:schemeClr val="accent1"/>
+          </a:effectRef>
+          <a:fontRef idx="minor">
+            <a:schemeClr val="tx1"/>
+          </a:fontRef>
+        </p:style>
+      </p:cxnSp>
     </p:spTree>
     <p:extLst>
       <p:ext uri="{BB962C8B-B14F-4D97-AF65-F5344CB8AC3E}">
@@ -13722,119 +13659,6 @@
       </p:sp>
       <p:sp>
         <p:nvSpPr>
-          <p:cNvPr id="22" name="正方形/長方形 21"/>
-          <p:cNvSpPr/>
-          <p:nvPr/>
-        </p:nvSpPr>
-        <p:spPr>
-          <a:xfrm>
-            <a:off x="1403648" y="5798691"/>
-            <a:ext cx="1981492" cy="262047"/>
-          </a:xfrm>
-          <a:prstGeom prst="rect">
-            <a:avLst/>
-          </a:prstGeom>
-          <a:noFill/>
-          <a:ln>
-            <a:noFill/>
-          </a:ln>
-        </p:spPr>
-        <p:style>
-          <a:lnRef idx="2">
-            <a:schemeClr val="accent1">
-              <a:shade val="50000"/>
-            </a:schemeClr>
-          </a:lnRef>
-          <a:fillRef idx="1">
-            <a:schemeClr val="accent1"/>
-          </a:fillRef>
-          <a:effectRef idx="0">
-            <a:schemeClr val="accent1"/>
-          </a:effectRef>
-          <a:fontRef idx="minor">
-            <a:schemeClr val="lt1"/>
-          </a:fontRef>
-        </p:style>
-        <p:txBody>
-          <a:bodyPr rtlCol="0" anchor="ctr"/>
-          <a:lstStyle/>
-          <a:p>
-            <a:r>
-              <a:rPr lang="en-US" altLang="ja-JP" dirty="0" smtClean="0">
-                <a:solidFill>
-                  <a:schemeClr val="tx1"/>
-                </a:solidFill>
-              </a:rPr>
-              <a:t>hoge/Readme.md</a:t>
-            </a:r>
-          </a:p>
-        </p:txBody>
-      </p:sp>
-      <p:sp>
-        <p:nvSpPr>
-          <p:cNvPr id="24" name="正方形/長方形 23"/>
-          <p:cNvSpPr/>
-          <p:nvPr/>
-        </p:nvSpPr>
-        <p:spPr>
-          <a:xfrm>
-            <a:off x="1403648" y="6070982"/>
-            <a:ext cx="1642273" cy="288032"/>
-          </a:xfrm>
-          <a:prstGeom prst="rect">
-            <a:avLst/>
-          </a:prstGeom>
-          <a:noFill/>
-          <a:ln>
-            <a:noFill/>
-          </a:ln>
-        </p:spPr>
-        <p:style>
-          <a:lnRef idx="2">
-            <a:schemeClr val="accent1">
-              <a:shade val="50000"/>
-            </a:schemeClr>
-          </a:lnRef>
-          <a:fillRef idx="1">
-            <a:schemeClr val="accent1"/>
-          </a:fillRef>
-          <a:effectRef idx="0">
-            <a:schemeClr val="accent1"/>
-          </a:effectRef>
-          <a:fontRef idx="minor">
-            <a:schemeClr val="lt1"/>
-          </a:fontRef>
-        </p:style>
-        <p:txBody>
-          <a:bodyPr rtlCol="0" anchor="ctr"/>
-          <a:lstStyle/>
-          <a:p>
-            <a:r>
-              <a:rPr lang="en-US" altLang="ja-JP" dirty="0" err="1" smtClean="0">
-                <a:solidFill>
-                  <a:schemeClr val="tx1"/>
-                </a:solidFill>
-              </a:rPr>
-              <a:t>hoge</a:t>
-            </a:r>
-            <a:r>
-              <a:rPr lang="en-US" altLang="ja-JP" dirty="0" smtClean="0">
-                <a:solidFill>
-                  <a:schemeClr val="tx1"/>
-                </a:solidFill>
-              </a:rPr>
-              <a:t>/Foo.java</a:t>
-            </a:r>
-            <a:endParaRPr kumimoji="1" lang="ja-JP" altLang="en-US" dirty="0">
-              <a:solidFill>
-                <a:schemeClr val="tx1"/>
-              </a:solidFill>
-            </a:endParaRPr>
-          </a:p>
-        </p:txBody>
-      </p:sp>
-      <p:sp>
-        <p:nvSpPr>
           <p:cNvPr id="28" name="角丸四角形 27"/>
           <p:cNvSpPr/>
           <p:nvPr/>
@@ -13920,86 +13744,6 @@
           </a:p>
         </p:txBody>
       </p:sp>
-      <p:cxnSp>
-        <p:nvCxnSpPr>
-          <p:cNvPr id="31" name="直線矢印コネクタ 30"/>
-          <p:cNvCxnSpPr>
-            <a:stCxn id="22" idx="3"/>
-            <a:endCxn id="54" idx="2"/>
-          </p:cNvCxnSpPr>
-          <p:nvPr/>
-        </p:nvCxnSpPr>
-        <p:spPr>
-          <a:xfrm flipV="1">
-            <a:off x="3385140" y="5188754"/>
-            <a:ext cx="4917839" cy="740961"/>
-          </a:xfrm>
-          <a:prstGeom prst="straightConnector1">
-            <a:avLst/>
-          </a:prstGeom>
-          <a:ln w="19050">
-            <a:solidFill>
-              <a:schemeClr val="tx1"/>
-            </a:solidFill>
-            <a:prstDash val="sysDash"/>
-            <a:tailEnd type="triangle" w="lg" len="med"/>
-          </a:ln>
-        </p:spPr>
-        <p:style>
-          <a:lnRef idx="1">
-            <a:schemeClr val="accent1"/>
-          </a:lnRef>
-          <a:fillRef idx="0">
-            <a:schemeClr val="accent1"/>
-          </a:fillRef>
-          <a:effectRef idx="0">
-            <a:schemeClr val="accent1"/>
-          </a:effectRef>
-          <a:fontRef idx="minor">
-            <a:schemeClr val="tx1"/>
-          </a:fontRef>
-        </p:style>
-      </p:cxnSp>
-      <p:cxnSp>
-        <p:nvCxnSpPr>
-          <p:cNvPr id="32" name="直線矢印コネクタ 31"/>
-          <p:cNvCxnSpPr>
-            <a:stCxn id="24" idx="3"/>
-            <a:endCxn id="29" idx="2"/>
-          </p:cNvCxnSpPr>
-          <p:nvPr/>
-        </p:nvCxnSpPr>
-        <p:spPr>
-          <a:xfrm flipV="1">
-            <a:off x="3045921" y="5196642"/>
-            <a:ext cx="2786429" cy="1018356"/>
-          </a:xfrm>
-          <a:prstGeom prst="straightConnector1">
-            <a:avLst/>
-          </a:prstGeom>
-          <a:ln w="19050">
-            <a:solidFill>
-              <a:schemeClr val="tx1"/>
-            </a:solidFill>
-            <a:prstDash val="sysDash"/>
-            <a:tailEnd type="triangle" w="lg" len="med"/>
-          </a:ln>
-        </p:spPr>
-        <p:style>
-          <a:lnRef idx="1">
-            <a:schemeClr val="accent1"/>
-          </a:lnRef>
-          <a:fillRef idx="0">
-            <a:schemeClr val="accent1"/>
-          </a:fillRef>
-          <a:effectRef idx="0">
-            <a:schemeClr val="accent1"/>
-          </a:effectRef>
-          <a:fontRef idx="minor">
-            <a:schemeClr val="tx1"/>
-          </a:fontRef>
-        </p:style>
-      </p:cxnSp>
       <p:sp>
         <p:nvSpPr>
           <p:cNvPr id="35" name="二等辺三角形 34"/>
@@ -14729,109 +14473,6 @@
       </p:sp>
       <p:sp>
         <p:nvSpPr>
-          <p:cNvPr id="41" name="正方形/長方形 40"/>
-          <p:cNvSpPr/>
-          <p:nvPr/>
-        </p:nvSpPr>
-        <p:spPr>
-          <a:xfrm>
-            <a:off x="1403648" y="6369257"/>
-            <a:ext cx="1642273" cy="288032"/>
-          </a:xfrm>
-          <a:prstGeom prst="rect">
-            <a:avLst/>
-          </a:prstGeom>
-          <a:noFill/>
-          <a:ln>
-            <a:noFill/>
-          </a:ln>
-        </p:spPr>
-        <p:style>
-          <a:lnRef idx="2">
-            <a:schemeClr val="accent1">
-              <a:shade val="50000"/>
-            </a:schemeClr>
-          </a:lnRef>
-          <a:fillRef idx="1">
-            <a:schemeClr val="accent1"/>
-          </a:fillRef>
-          <a:effectRef idx="0">
-            <a:schemeClr val="accent1"/>
-          </a:effectRef>
-          <a:fontRef idx="minor">
-            <a:schemeClr val="lt1"/>
-          </a:fontRef>
-        </p:style>
-        <p:txBody>
-          <a:bodyPr rtlCol="0" anchor="ctr"/>
-          <a:lstStyle/>
-          <a:p>
-            <a:r>
-              <a:rPr lang="en-US" altLang="ja-JP" dirty="0" err="1" smtClean="0">
-                <a:solidFill>
-                  <a:schemeClr val="tx1"/>
-                </a:solidFill>
-              </a:rPr>
-              <a:t>hoge</a:t>
-            </a:r>
-            <a:r>
-              <a:rPr lang="en-US" altLang="ja-JP" dirty="0" smtClean="0">
-                <a:solidFill>
-                  <a:schemeClr val="tx1"/>
-                </a:solidFill>
-              </a:rPr>
-              <a:t>/New.java</a:t>
-            </a:r>
-            <a:endParaRPr kumimoji="1" lang="ja-JP" altLang="en-US" dirty="0">
-              <a:solidFill>
-                <a:schemeClr val="tx1"/>
-              </a:solidFill>
-            </a:endParaRPr>
-          </a:p>
-        </p:txBody>
-      </p:sp>
-      <p:cxnSp>
-        <p:nvCxnSpPr>
-          <p:cNvPr id="42" name="直線矢印コネクタ 41"/>
-          <p:cNvCxnSpPr>
-            <a:stCxn id="41" idx="3"/>
-            <a:endCxn id="40" idx="2"/>
-          </p:cNvCxnSpPr>
-          <p:nvPr/>
-        </p:nvCxnSpPr>
-        <p:spPr>
-          <a:xfrm flipV="1">
-            <a:off x="3045921" y="5188754"/>
-            <a:ext cx="4018530" cy="1324519"/>
-          </a:xfrm>
-          <a:prstGeom prst="straightConnector1">
-            <a:avLst/>
-          </a:prstGeom>
-          <a:ln w="19050">
-            <a:solidFill>
-              <a:schemeClr val="tx1"/>
-            </a:solidFill>
-            <a:prstDash val="sysDash"/>
-            <a:tailEnd type="triangle" w="lg" len="med"/>
-          </a:ln>
-        </p:spPr>
-        <p:style>
-          <a:lnRef idx="1">
-            <a:schemeClr val="accent1"/>
-          </a:lnRef>
-          <a:fillRef idx="0">
-            <a:schemeClr val="accent1"/>
-          </a:fillRef>
-          <a:effectRef idx="0">
-            <a:schemeClr val="accent1"/>
-          </a:effectRef>
-          <a:fontRef idx="minor">
-            <a:schemeClr val="tx1"/>
-          </a:fontRef>
-        </p:style>
-      </p:cxnSp>
-      <p:sp>
-        <p:nvSpPr>
           <p:cNvPr id="44" name="二等辺三角形 43"/>
           <p:cNvSpPr/>
           <p:nvPr/>
@@ -15533,6 +15174,283 @@
           </a:p>
         </p:txBody>
       </p:sp>
+      <p:sp>
+        <p:nvSpPr>
+          <p:cNvPr id="51" name="正方形/長方形 50"/>
+          <p:cNvSpPr/>
+          <p:nvPr/>
+        </p:nvSpPr>
+        <p:spPr>
+          <a:xfrm>
+            <a:off x="1403648" y="6369257"/>
+            <a:ext cx="1133933" cy="288032"/>
+          </a:xfrm>
+          <a:prstGeom prst="rect">
+            <a:avLst/>
+          </a:prstGeom>
+          <a:noFill/>
+          <a:ln>
+            <a:noFill/>
+          </a:ln>
+        </p:spPr>
+        <p:style>
+          <a:lnRef idx="2">
+            <a:schemeClr val="accent1">
+              <a:shade val="50000"/>
+            </a:schemeClr>
+          </a:lnRef>
+          <a:fillRef idx="1">
+            <a:schemeClr val="accent1"/>
+          </a:fillRef>
+          <a:effectRef idx="0">
+            <a:schemeClr val="accent1"/>
+          </a:effectRef>
+          <a:fontRef idx="minor">
+            <a:schemeClr val="lt1"/>
+          </a:fontRef>
+        </p:style>
+        <p:txBody>
+          <a:bodyPr rtlCol="0" anchor="ctr"/>
+          <a:lstStyle/>
+          <a:p>
+            <a:r>
+              <a:rPr lang="en-US" altLang="ja-JP" dirty="0" smtClean="0">
+                <a:solidFill>
+                  <a:schemeClr val="tx1"/>
+                </a:solidFill>
+              </a:rPr>
+              <a:t>New.java</a:t>
+            </a:r>
+            <a:endParaRPr kumimoji="1" lang="ja-JP" altLang="en-US" dirty="0">
+              <a:solidFill>
+                <a:schemeClr val="tx1"/>
+              </a:solidFill>
+            </a:endParaRPr>
+          </a:p>
+        </p:txBody>
+      </p:sp>
+      <p:cxnSp>
+        <p:nvCxnSpPr>
+          <p:cNvPr id="61" name="直線矢印コネクタ 60"/>
+          <p:cNvCxnSpPr>
+            <a:stCxn id="51" idx="3"/>
+          </p:cNvCxnSpPr>
+          <p:nvPr/>
+        </p:nvCxnSpPr>
+        <p:spPr>
+          <a:xfrm flipV="1">
+            <a:off x="2537581" y="5188754"/>
+            <a:ext cx="4526870" cy="1324519"/>
+          </a:xfrm>
+          <a:prstGeom prst="straightConnector1">
+            <a:avLst/>
+          </a:prstGeom>
+          <a:ln w="19050">
+            <a:solidFill>
+              <a:schemeClr val="tx1"/>
+            </a:solidFill>
+            <a:prstDash val="sysDash"/>
+            <a:tailEnd type="triangle" w="lg" len="med"/>
+          </a:ln>
+        </p:spPr>
+        <p:style>
+          <a:lnRef idx="1">
+            <a:schemeClr val="accent1"/>
+          </a:lnRef>
+          <a:fillRef idx="0">
+            <a:schemeClr val="accent1"/>
+          </a:fillRef>
+          <a:effectRef idx="0">
+            <a:schemeClr val="accent1"/>
+          </a:effectRef>
+          <a:fontRef idx="minor">
+            <a:schemeClr val="tx1"/>
+          </a:fontRef>
+        </p:style>
+      </p:cxnSp>
+      <p:sp>
+        <p:nvSpPr>
+          <p:cNvPr id="63" name="正方形/長方形 62"/>
+          <p:cNvSpPr/>
+          <p:nvPr/>
+        </p:nvSpPr>
+        <p:spPr>
+          <a:xfrm>
+            <a:off x="1403648" y="5798691"/>
+            <a:ext cx="1368152" cy="262047"/>
+          </a:xfrm>
+          <a:prstGeom prst="rect">
+            <a:avLst/>
+          </a:prstGeom>
+          <a:noFill/>
+          <a:ln>
+            <a:noFill/>
+          </a:ln>
+        </p:spPr>
+        <p:style>
+          <a:lnRef idx="2">
+            <a:schemeClr val="accent1">
+              <a:shade val="50000"/>
+            </a:schemeClr>
+          </a:lnRef>
+          <a:fillRef idx="1">
+            <a:schemeClr val="accent1"/>
+          </a:fillRef>
+          <a:effectRef idx="0">
+            <a:schemeClr val="accent1"/>
+          </a:effectRef>
+          <a:fontRef idx="minor">
+            <a:schemeClr val="lt1"/>
+          </a:fontRef>
+        </p:style>
+        <p:txBody>
+          <a:bodyPr rtlCol="0" anchor="ctr"/>
+          <a:lstStyle/>
+          <a:p>
+            <a:r>
+              <a:rPr lang="en-US" altLang="ja-JP" dirty="0" smtClean="0">
+                <a:solidFill>
+                  <a:schemeClr val="tx1"/>
+                </a:solidFill>
+              </a:rPr>
+              <a:t>Readme.md</a:t>
+            </a:r>
+          </a:p>
+        </p:txBody>
+      </p:sp>
+      <p:sp>
+        <p:nvSpPr>
+          <p:cNvPr id="64" name="正方形/長方形 63"/>
+          <p:cNvSpPr/>
+          <p:nvPr/>
+        </p:nvSpPr>
+        <p:spPr>
+          <a:xfrm>
+            <a:off x="1403648" y="6070982"/>
+            <a:ext cx="1133933" cy="288032"/>
+          </a:xfrm>
+          <a:prstGeom prst="rect">
+            <a:avLst/>
+          </a:prstGeom>
+          <a:noFill/>
+          <a:ln>
+            <a:noFill/>
+          </a:ln>
+        </p:spPr>
+        <p:style>
+          <a:lnRef idx="2">
+            <a:schemeClr val="accent1">
+              <a:shade val="50000"/>
+            </a:schemeClr>
+          </a:lnRef>
+          <a:fillRef idx="1">
+            <a:schemeClr val="accent1"/>
+          </a:fillRef>
+          <a:effectRef idx="0">
+            <a:schemeClr val="accent1"/>
+          </a:effectRef>
+          <a:fontRef idx="minor">
+            <a:schemeClr val="lt1"/>
+          </a:fontRef>
+        </p:style>
+        <p:txBody>
+          <a:bodyPr rtlCol="0" anchor="ctr"/>
+          <a:lstStyle/>
+          <a:p>
+            <a:r>
+              <a:rPr lang="en-US" altLang="ja-JP" dirty="0" smtClean="0">
+                <a:solidFill>
+                  <a:schemeClr val="tx1"/>
+                </a:solidFill>
+              </a:rPr>
+              <a:t>Foo.java</a:t>
+            </a:r>
+            <a:endParaRPr kumimoji="1" lang="ja-JP" altLang="en-US" dirty="0">
+              <a:solidFill>
+                <a:schemeClr val="tx1"/>
+              </a:solidFill>
+            </a:endParaRPr>
+          </a:p>
+        </p:txBody>
+      </p:sp>
+      <p:cxnSp>
+        <p:nvCxnSpPr>
+          <p:cNvPr id="65" name="直線矢印コネクタ 64"/>
+          <p:cNvCxnSpPr>
+            <a:stCxn id="63" idx="3"/>
+          </p:cNvCxnSpPr>
+          <p:nvPr/>
+        </p:nvCxnSpPr>
+        <p:spPr>
+          <a:xfrm flipV="1">
+            <a:off x="2771800" y="5201608"/>
+            <a:ext cx="5531178" cy="728107"/>
+          </a:xfrm>
+          <a:prstGeom prst="straightConnector1">
+            <a:avLst/>
+          </a:prstGeom>
+          <a:ln w="19050">
+            <a:solidFill>
+              <a:schemeClr val="tx1"/>
+            </a:solidFill>
+            <a:prstDash val="sysDash"/>
+            <a:tailEnd type="triangle" w="lg" len="med"/>
+          </a:ln>
+        </p:spPr>
+        <p:style>
+          <a:lnRef idx="1">
+            <a:schemeClr val="accent1"/>
+          </a:lnRef>
+          <a:fillRef idx="0">
+            <a:schemeClr val="accent1"/>
+          </a:fillRef>
+          <a:effectRef idx="0">
+            <a:schemeClr val="accent1"/>
+          </a:effectRef>
+          <a:fontRef idx="minor">
+            <a:schemeClr val="tx1"/>
+          </a:fontRef>
+        </p:style>
+      </p:cxnSp>
+      <p:cxnSp>
+        <p:nvCxnSpPr>
+          <p:cNvPr id="66" name="直線矢印コネクタ 65"/>
+          <p:cNvCxnSpPr>
+            <a:stCxn id="64" idx="3"/>
+          </p:cNvCxnSpPr>
+          <p:nvPr/>
+        </p:nvCxnSpPr>
+        <p:spPr>
+          <a:xfrm flipV="1">
+            <a:off x="2537581" y="5196642"/>
+            <a:ext cx="3294769" cy="1018356"/>
+          </a:xfrm>
+          <a:prstGeom prst="straightConnector1">
+            <a:avLst/>
+          </a:prstGeom>
+          <a:ln w="19050">
+            <a:solidFill>
+              <a:schemeClr val="tx1"/>
+            </a:solidFill>
+            <a:prstDash val="sysDash"/>
+            <a:tailEnd type="triangle" w="lg" len="med"/>
+          </a:ln>
+        </p:spPr>
+        <p:style>
+          <a:lnRef idx="1">
+            <a:schemeClr val="accent1"/>
+          </a:lnRef>
+          <a:fillRef idx="0">
+            <a:schemeClr val="accent1"/>
+          </a:fillRef>
+          <a:effectRef idx="0">
+            <a:schemeClr val="accent1"/>
+          </a:effectRef>
+          <a:fontRef idx="minor">
+            <a:schemeClr val="tx1"/>
+          </a:fontRef>
+        </p:style>
+      </p:cxnSp>
     </p:spTree>
     <p:extLst>
       <p:ext uri="{BB962C8B-B14F-4D97-AF65-F5344CB8AC3E}">
@@ -16030,119 +15948,6 @@
       </p:sp>
       <p:sp>
         <p:nvSpPr>
-          <p:cNvPr id="22" name="正方形/長方形 21"/>
-          <p:cNvSpPr/>
-          <p:nvPr/>
-        </p:nvSpPr>
-        <p:spPr>
-          <a:xfrm>
-            <a:off x="1403648" y="5798691"/>
-            <a:ext cx="1981492" cy="262047"/>
-          </a:xfrm>
-          <a:prstGeom prst="rect">
-            <a:avLst/>
-          </a:prstGeom>
-          <a:noFill/>
-          <a:ln>
-            <a:noFill/>
-          </a:ln>
-        </p:spPr>
-        <p:style>
-          <a:lnRef idx="2">
-            <a:schemeClr val="accent1">
-              <a:shade val="50000"/>
-            </a:schemeClr>
-          </a:lnRef>
-          <a:fillRef idx="1">
-            <a:schemeClr val="accent1"/>
-          </a:fillRef>
-          <a:effectRef idx="0">
-            <a:schemeClr val="accent1"/>
-          </a:effectRef>
-          <a:fontRef idx="minor">
-            <a:schemeClr val="lt1"/>
-          </a:fontRef>
-        </p:style>
-        <p:txBody>
-          <a:bodyPr rtlCol="0" anchor="ctr"/>
-          <a:lstStyle/>
-          <a:p>
-            <a:r>
-              <a:rPr lang="en-US" altLang="ja-JP" dirty="0" smtClean="0">
-                <a:solidFill>
-                  <a:schemeClr val="tx1"/>
-                </a:solidFill>
-              </a:rPr>
-              <a:t>hoge/Readme.md</a:t>
-            </a:r>
-          </a:p>
-        </p:txBody>
-      </p:sp>
-      <p:sp>
-        <p:nvSpPr>
-          <p:cNvPr id="24" name="正方形/長方形 23"/>
-          <p:cNvSpPr/>
-          <p:nvPr/>
-        </p:nvSpPr>
-        <p:spPr>
-          <a:xfrm>
-            <a:off x="1403648" y="6070982"/>
-            <a:ext cx="1642273" cy="288032"/>
-          </a:xfrm>
-          <a:prstGeom prst="rect">
-            <a:avLst/>
-          </a:prstGeom>
-          <a:noFill/>
-          <a:ln>
-            <a:noFill/>
-          </a:ln>
-        </p:spPr>
-        <p:style>
-          <a:lnRef idx="2">
-            <a:schemeClr val="accent1">
-              <a:shade val="50000"/>
-            </a:schemeClr>
-          </a:lnRef>
-          <a:fillRef idx="1">
-            <a:schemeClr val="accent1"/>
-          </a:fillRef>
-          <a:effectRef idx="0">
-            <a:schemeClr val="accent1"/>
-          </a:effectRef>
-          <a:fontRef idx="minor">
-            <a:schemeClr val="lt1"/>
-          </a:fontRef>
-        </p:style>
-        <p:txBody>
-          <a:bodyPr rtlCol="0" anchor="ctr"/>
-          <a:lstStyle/>
-          <a:p>
-            <a:r>
-              <a:rPr lang="en-US" altLang="ja-JP" dirty="0" err="1" smtClean="0">
-                <a:solidFill>
-                  <a:schemeClr val="tx1"/>
-                </a:solidFill>
-              </a:rPr>
-              <a:t>hoge</a:t>
-            </a:r>
-            <a:r>
-              <a:rPr lang="en-US" altLang="ja-JP" dirty="0" smtClean="0">
-                <a:solidFill>
-                  <a:schemeClr val="tx1"/>
-                </a:solidFill>
-              </a:rPr>
-              <a:t>/Foo.java</a:t>
-            </a:r>
-            <a:endParaRPr kumimoji="1" lang="ja-JP" altLang="en-US" dirty="0">
-              <a:solidFill>
-                <a:schemeClr val="tx1"/>
-              </a:solidFill>
-            </a:endParaRPr>
-          </a:p>
-        </p:txBody>
-      </p:sp>
-      <p:sp>
-        <p:nvSpPr>
           <p:cNvPr id="28" name="角丸四角形 27"/>
           <p:cNvSpPr/>
           <p:nvPr/>
@@ -16228,86 +16033,6 @@
           </a:p>
         </p:txBody>
       </p:sp>
-      <p:cxnSp>
-        <p:nvCxnSpPr>
-          <p:cNvPr id="31" name="直線矢印コネクタ 30"/>
-          <p:cNvCxnSpPr>
-            <a:stCxn id="22" idx="3"/>
-            <a:endCxn id="54" idx="2"/>
-          </p:cNvCxnSpPr>
-          <p:nvPr/>
-        </p:nvCxnSpPr>
-        <p:spPr>
-          <a:xfrm flipV="1">
-            <a:off x="3385140" y="5188754"/>
-            <a:ext cx="4917839" cy="740961"/>
-          </a:xfrm>
-          <a:prstGeom prst="straightConnector1">
-            <a:avLst/>
-          </a:prstGeom>
-          <a:ln w="19050">
-            <a:solidFill>
-              <a:schemeClr val="tx1"/>
-            </a:solidFill>
-            <a:prstDash val="sysDash"/>
-            <a:tailEnd type="triangle" w="lg" len="med"/>
-          </a:ln>
-        </p:spPr>
-        <p:style>
-          <a:lnRef idx="1">
-            <a:schemeClr val="accent1"/>
-          </a:lnRef>
-          <a:fillRef idx="0">
-            <a:schemeClr val="accent1"/>
-          </a:fillRef>
-          <a:effectRef idx="0">
-            <a:schemeClr val="accent1"/>
-          </a:effectRef>
-          <a:fontRef idx="minor">
-            <a:schemeClr val="tx1"/>
-          </a:fontRef>
-        </p:style>
-      </p:cxnSp>
-      <p:cxnSp>
-        <p:nvCxnSpPr>
-          <p:cNvPr id="32" name="直線矢印コネクタ 31"/>
-          <p:cNvCxnSpPr>
-            <a:stCxn id="24" idx="3"/>
-            <a:endCxn id="29" idx="2"/>
-          </p:cNvCxnSpPr>
-          <p:nvPr/>
-        </p:nvCxnSpPr>
-        <p:spPr>
-          <a:xfrm flipV="1">
-            <a:off x="3045921" y="5196642"/>
-            <a:ext cx="2786429" cy="1018356"/>
-          </a:xfrm>
-          <a:prstGeom prst="straightConnector1">
-            <a:avLst/>
-          </a:prstGeom>
-          <a:ln w="19050">
-            <a:solidFill>
-              <a:schemeClr val="tx1"/>
-            </a:solidFill>
-            <a:prstDash val="sysDash"/>
-            <a:tailEnd type="triangle" w="lg" len="med"/>
-          </a:ln>
-        </p:spPr>
-        <p:style>
-          <a:lnRef idx="1">
-            <a:schemeClr val="accent1"/>
-          </a:lnRef>
-          <a:fillRef idx="0">
-            <a:schemeClr val="accent1"/>
-          </a:fillRef>
-          <a:effectRef idx="0">
-            <a:schemeClr val="accent1"/>
-          </a:effectRef>
-          <a:fontRef idx="minor">
-            <a:schemeClr val="tx1"/>
-          </a:fontRef>
-        </p:style>
-      </p:cxnSp>
       <p:sp>
         <p:nvSpPr>
           <p:cNvPr id="35" name="二等辺三角形 34"/>
@@ -17037,109 +16762,6 @@
       </p:sp>
       <p:sp>
         <p:nvSpPr>
-          <p:cNvPr id="41" name="正方形/長方形 40"/>
-          <p:cNvSpPr/>
-          <p:nvPr/>
-        </p:nvSpPr>
-        <p:spPr>
-          <a:xfrm>
-            <a:off x="1403648" y="6369257"/>
-            <a:ext cx="1642273" cy="288032"/>
-          </a:xfrm>
-          <a:prstGeom prst="rect">
-            <a:avLst/>
-          </a:prstGeom>
-          <a:noFill/>
-          <a:ln>
-            <a:noFill/>
-          </a:ln>
-        </p:spPr>
-        <p:style>
-          <a:lnRef idx="2">
-            <a:schemeClr val="accent1">
-              <a:shade val="50000"/>
-            </a:schemeClr>
-          </a:lnRef>
-          <a:fillRef idx="1">
-            <a:schemeClr val="accent1"/>
-          </a:fillRef>
-          <a:effectRef idx="0">
-            <a:schemeClr val="accent1"/>
-          </a:effectRef>
-          <a:fontRef idx="minor">
-            <a:schemeClr val="lt1"/>
-          </a:fontRef>
-        </p:style>
-        <p:txBody>
-          <a:bodyPr rtlCol="0" anchor="ctr"/>
-          <a:lstStyle/>
-          <a:p>
-            <a:r>
-              <a:rPr lang="en-US" altLang="ja-JP" dirty="0" err="1" smtClean="0">
-                <a:solidFill>
-                  <a:schemeClr val="tx1"/>
-                </a:solidFill>
-              </a:rPr>
-              <a:t>hoge</a:t>
-            </a:r>
-            <a:r>
-              <a:rPr lang="en-US" altLang="ja-JP" dirty="0" smtClean="0">
-                <a:solidFill>
-                  <a:schemeClr val="tx1"/>
-                </a:solidFill>
-              </a:rPr>
-              <a:t>/New.java</a:t>
-            </a:r>
-            <a:endParaRPr kumimoji="1" lang="ja-JP" altLang="en-US" dirty="0">
-              <a:solidFill>
-                <a:schemeClr val="tx1"/>
-              </a:solidFill>
-            </a:endParaRPr>
-          </a:p>
-        </p:txBody>
-      </p:sp>
-      <p:cxnSp>
-        <p:nvCxnSpPr>
-          <p:cNvPr id="42" name="直線矢印コネクタ 41"/>
-          <p:cNvCxnSpPr>
-            <a:stCxn id="41" idx="3"/>
-            <a:endCxn id="40" idx="2"/>
-          </p:cNvCxnSpPr>
-          <p:nvPr/>
-        </p:nvCxnSpPr>
-        <p:spPr>
-          <a:xfrm flipV="1">
-            <a:off x="3045921" y="5188754"/>
-            <a:ext cx="4018530" cy="1324519"/>
-          </a:xfrm>
-          <a:prstGeom prst="straightConnector1">
-            <a:avLst/>
-          </a:prstGeom>
-          <a:ln w="19050">
-            <a:solidFill>
-              <a:schemeClr val="tx1"/>
-            </a:solidFill>
-            <a:prstDash val="sysDash"/>
-            <a:tailEnd type="triangle" w="lg" len="med"/>
-          </a:ln>
-        </p:spPr>
-        <p:style>
-          <a:lnRef idx="1">
-            <a:schemeClr val="accent1"/>
-          </a:lnRef>
-          <a:fillRef idx="0">
-            <a:schemeClr val="accent1"/>
-          </a:fillRef>
-          <a:effectRef idx="0">
-            <a:schemeClr val="accent1"/>
-          </a:effectRef>
-          <a:fontRef idx="minor">
-            <a:schemeClr val="tx1"/>
-          </a:fontRef>
-        </p:style>
-      </p:cxnSp>
-      <p:sp>
-        <p:nvSpPr>
           <p:cNvPr id="44" name="二等辺三角形 43"/>
           <p:cNvSpPr/>
           <p:nvPr/>
@@ -18093,6 +17715,284 @@
           </a:p>
         </p:txBody>
       </p:sp>
+      <p:sp>
+        <p:nvSpPr>
+          <p:cNvPr id="66" name="正方形/長方形 65"/>
+          <p:cNvSpPr/>
+          <p:nvPr/>
+        </p:nvSpPr>
+        <p:spPr>
+          <a:xfrm>
+            <a:off x="1403648" y="6369257"/>
+            <a:ext cx="1133933" cy="288032"/>
+          </a:xfrm>
+          <a:prstGeom prst="rect">
+            <a:avLst/>
+          </a:prstGeom>
+          <a:noFill/>
+          <a:ln>
+            <a:noFill/>
+          </a:ln>
+        </p:spPr>
+        <p:style>
+          <a:lnRef idx="2">
+            <a:schemeClr val="accent1">
+              <a:shade val="50000"/>
+            </a:schemeClr>
+          </a:lnRef>
+          <a:fillRef idx="1">
+            <a:schemeClr val="accent1"/>
+          </a:fillRef>
+          <a:effectRef idx="0">
+            <a:schemeClr val="accent1"/>
+          </a:effectRef>
+          <a:fontRef idx="minor">
+            <a:schemeClr val="lt1"/>
+          </a:fontRef>
+        </p:style>
+        <p:txBody>
+          <a:bodyPr rtlCol="0" anchor="ctr"/>
+          <a:lstStyle/>
+          <a:p>
+            <a:r>
+              <a:rPr lang="en-US" altLang="ja-JP" dirty="0" smtClean="0">
+                <a:solidFill>
+                  <a:schemeClr val="tx1"/>
+                </a:solidFill>
+              </a:rPr>
+              <a:t>New.java</a:t>
+            </a:r>
+            <a:endParaRPr kumimoji="1" lang="ja-JP" altLang="en-US" dirty="0">
+              <a:solidFill>
+                <a:schemeClr val="tx1"/>
+              </a:solidFill>
+            </a:endParaRPr>
+          </a:p>
+        </p:txBody>
+      </p:sp>
+      <p:cxnSp>
+        <p:nvCxnSpPr>
+          <p:cNvPr id="68" name="直線矢印コネクタ 67"/>
+          <p:cNvCxnSpPr>
+            <a:stCxn id="66" idx="3"/>
+          </p:cNvCxnSpPr>
+          <p:nvPr/>
+        </p:nvCxnSpPr>
+        <p:spPr>
+          <a:xfrm flipV="1">
+            <a:off x="2537581" y="5188754"/>
+            <a:ext cx="4526870" cy="1324519"/>
+          </a:xfrm>
+          <a:prstGeom prst="straightConnector1">
+            <a:avLst/>
+          </a:prstGeom>
+          <a:ln w="19050">
+            <a:solidFill>
+              <a:schemeClr val="tx1"/>
+            </a:solidFill>
+            <a:prstDash val="sysDash"/>
+            <a:tailEnd type="triangle" w="lg" len="med"/>
+          </a:ln>
+        </p:spPr>
+        <p:style>
+          <a:lnRef idx="1">
+            <a:schemeClr val="accent1"/>
+          </a:lnRef>
+          <a:fillRef idx="0">
+            <a:schemeClr val="accent1"/>
+          </a:fillRef>
+          <a:effectRef idx="0">
+            <a:schemeClr val="accent1"/>
+          </a:effectRef>
+          <a:fontRef idx="minor">
+            <a:schemeClr val="tx1"/>
+          </a:fontRef>
+        </p:style>
+      </p:cxnSp>
+      <p:sp>
+        <p:nvSpPr>
+          <p:cNvPr id="69" name="正方形/長方形 68"/>
+          <p:cNvSpPr/>
+          <p:nvPr/>
+        </p:nvSpPr>
+        <p:spPr>
+          <a:xfrm>
+            <a:off x="1403648" y="5798691"/>
+            <a:ext cx="1368152" cy="262047"/>
+          </a:xfrm>
+          <a:prstGeom prst="rect">
+            <a:avLst/>
+          </a:prstGeom>
+          <a:noFill/>
+          <a:ln>
+            <a:noFill/>
+          </a:ln>
+        </p:spPr>
+        <p:style>
+          <a:lnRef idx="2">
+            <a:schemeClr val="accent1">
+              <a:shade val="50000"/>
+            </a:schemeClr>
+          </a:lnRef>
+          <a:fillRef idx="1">
+            <a:schemeClr val="accent1"/>
+          </a:fillRef>
+          <a:effectRef idx="0">
+            <a:schemeClr val="accent1"/>
+          </a:effectRef>
+          <a:fontRef idx="minor">
+            <a:schemeClr val="lt1"/>
+          </a:fontRef>
+        </p:style>
+        <p:txBody>
+          <a:bodyPr rtlCol="0" anchor="ctr"/>
+          <a:lstStyle/>
+          <a:p>
+            <a:r>
+              <a:rPr lang="en-US" altLang="ja-JP" dirty="0" smtClean="0">
+                <a:solidFill>
+                  <a:schemeClr val="tx1"/>
+                </a:solidFill>
+              </a:rPr>
+              <a:t>Readme.md</a:t>
+            </a:r>
+          </a:p>
+        </p:txBody>
+      </p:sp>
+      <p:sp>
+        <p:nvSpPr>
+          <p:cNvPr id="70" name="正方形/長方形 69"/>
+          <p:cNvSpPr/>
+          <p:nvPr/>
+        </p:nvSpPr>
+        <p:spPr>
+          <a:xfrm>
+            <a:off x="1403648" y="6070982"/>
+            <a:ext cx="1133933" cy="288032"/>
+          </a:xfrm>
+          <a:prstGeom prst="rect">
+            <a:avLst/>
+          </a:prstGeom>
+          <a:noFill/>
+          <a:ln>
+            <a:noFill/>
+          </a:ln>
+        </p:spPr>
+        <p:style>
+          <a:lnRef idx="2">
+            <a:schemeClr val="accent1">
+              <a:shade val="50000"/>
+            </a:schemeClr>
+          </a:lnRef>
+          <a:fillRef idx="1">
+            <a:schemeClr val="accent1"/>
+          </a:fillRef>
+          <a:effectRef idx="0">
+            <a:schemeClr val="accent1"/>
+          </a:effectRef>
+          <a:fontRef idx="minor">
+            <a:schemeClr val="lt1"/>
+          </a:fontRef>
+        </p:style>
+        <p:txBody>
+          <a:bodyPr rtlCol="0" anchor="ctr"/>
+          <a:lstStyle/>
+          <a:p>
+            <a:r>
+              <a:rPr lang="en-US" altLang="ja-JP" dirty="0" smtClean="0">
+                <a:solidFill>
+                  <a:schemeClr val="tx1"/>
+                </a:solidFill>
+              </a:rPr>
+              <a:t>Foo.java</a:t>
+            </a:r>
+            <a:endParaRPr kumimoji="1" lang="ja-JP" altLang="en-US" dirty="0">
+              <a:solidFill>
+                <a:schemeClr val="tx1"/>
+              </a:solidFill>
+            </a:endParaRPr>
+          </a:p>
+        </p:txBody>
+      </p:sp>
+      <p:cxnSp>
+        <p:nvCxnSpPr>
+          <p:cNvPr id="71" name="直線矢印コネクタ 70"/>
+          <p:cNvCxnSpPr>
+            <a:stCxn id="69" idx="3"/>
+            <a:endCxn id="54" idx="2"/>
+          </p:cNvCxnSpPr>
+          <p:nvPr/>
+        </p:nvCxnSpPr>
+        <p:spPr>
+          <a:xfrm flipV="1">
+            <a:off x="2771800" y="5188754"/>
+            <a:ext cx="5531179" cy="740961"/>
+          </a:xfrm>
+          <a:prstGeom prst="straightConnector1">
+            <a:avLst/>
+          </a:prstGeom>
+          <a:ln w="19050">
+            <a:solidFill>
+              <a:schemeClr val="tx1"/>
+            </a:solidFill>
+            <a:prstDash val="sysDash"/>
+            <a:tailEnd type="triangle" w="lg" len="med"/>
+          </a:ln>
+        </p:spPr>
+        <p:style>
+          <a:lnRef idx="1">
+            <a:schemeClr val="accent1"/>
+          </a:lnRef>
+          <a:fillRef idx="0">
+            <a:schemeClr val="accent1"/>
+          </a:fillRef>
+          <a:effectRef idx="0">
+            <a:schemeClr val="accent1"/>
+          </a:effectRef>
+          <a:fontRef idx="minor">
+            <a:schemeClr val="tx1"/>
+          </a:fontRef>
+        </p:style>
+      </p:cxnSp>
+      <p:cxnSp>
+        <p:nvCxnSpPr>
+          <p:cNvPr id="75" name="直線矢印コネクタ 74"/>
+          <p:cNvCxnSpPr>
+            <a:stCxn id="70" idx="3"/>
+          </p:cNvCxnSpPr>
+          <p:nvPr/>
+        </p:nvCxnSpPr>
+        <p:spPr>
+          <a:xfrm flipV="1">
+            <a:off x="2537581" y="5196642"/>
+            <a:ext cx="3294769" cy="1018356"/>
+          </a:xfrm>
+          <a:prstGeom prst="straightConnector1">
+            <a:avLst/>
+          </a:prstGeom>
+          <a:ln w="19050">
+            <a:solidFill>
+              <a:schemeClr val="tx1"/>
+            </a:solidFill>
+            <a:prstDash val="sysDash"/>
+            <a:tailEnd type="triangle" w="lg" len="med"/>
+          </a:ln>
+        </p:spPr>
+        <p:style>
+          <a:lnRef idx="1">
+            <a:schemeClr val="accent1"/>
+          </a:lnRef>
+          <a:fillRef idx="0">
+            <a:schemeClr val="accent1"/>
+          </a:fillRef>
+          <a:effectRef idx="0">
+            <a:schemeClr val="accent1"/>
+          </a:effectRef>
+          <a:fontRef idx="minor">
+            <a:schemeClr val="tx1"/>
+          </a:fontRef>
+        </p:style>
+      </p:cxnSp>
     </p:spTree>
     <p:extLst>
       <p:ext uri="{BB962C8B-B14F-4D97-AF65-F5344CB8AC3E}">

--- a/images/git-repository/git_repo.pptx
+++ b/images/git-repository/git_repo.pptx
@@ -3848,7 +3848,7 @@
           </a:xfrm>
           <a:prstGeom prst="roundRect">
             <a:avLst>
-              <a:gd name="adj" fmla="val 13086"/>
+              <a:gd name="adj" fmla="val 15948"/>
             </a:avLst>
           </a:prstGeom>
           <a:solidFill>
@@ -3900,8 +3900,8 @@
         </p:nvSpPr>
         <p:spPr>
           <a:xfrm>
-            <a:off x="60896" y="1885749"/>
-            <a:ext cx="3768159" cy="3293757"/>
+            <a:off x="60896" y="1844825"/>
+            <a:ext cx="3768159" cy="3322800"/>
           </a:xfrm>
           <a:prstGeom prst="roundRect">
             <a:avLst>
@@ -5397,6 +5397,124 @@
           <a:chExt cx="0" cy="0"/>
         </a:xfrm>
       </p:grpSpPr>
+      <p:sp>
+        <p:nvSpPr>
+          <p:cNvPr id="53" name="角丸四角形 52"/>
+          <p:cNvSpPr/>
+          <p:nvPr/>
+        </p:nvSpPr>
+        <p:spPr>
+          <a:xfrm>
+            <a:off x="60896" y="5243377"/>
+            <a:ext cx="3768159" cy="1497991"/>
+          </a:xfrm>
+          <a:prstGeom prst="roundRect">
+            <a:avLst>
+              <a:gd name="adj" fmla="val 15948"/>
+            </a:avLst>
+          </a:prstGeom>
+          <a:solidFill>
+            <a:srgbClr val="03E729"/>
+          </a:solidFill>
+          <a:ln>
+            <a:noFill/>
+          </a:ln>
+        </p:spPr>
+        <p:style>
+          <a:lnRef idx="2">
+            <a:schemeClr val="accent1">
+              <a:shade val="50000"/>
+            </a:schemeClr>
+          </a:lnRef>
+          <a:fillRef idx="1">
+            <a:schemeClr val="accent1"/>
+          </a:fillRef>
+          <a:effectRef idx="0">
+            <a:schemeClr val="accent1"/>
+          </a:effectRef>
+          <a:fontRef idx="minor">
+            <a:schemeClr val="lt1"/>
+          </a:fontRef>
+        </p:style>
+        <p:txBody>
+          <a:bodyPr rtlCol="0" anchor="t" anchorCtr="0"/>
+          <a:lstStyle/>
+          <a:p>
+            <a:pPr algn="ctr"/>
+            <a:r>
+              <a:rPr lang="ja-JP" altLang="en-US" b="1" dirty="0">
+                <a:solidFill>
+                  <a:schemeClr val="bg1"/>
+                </a:solidFill>
+                <a:latin typeface="ＭＳ ゴシック" panose="020B0609070205080204" pitchFamily="49" charset="-128"/>
+                <a:ea typeface="ＭＳ ゴシック" panose="020B0609070205080204" pitchFamily="49" charset="-128"/>
+              </a:rPr>
+              <a:t>インデックス</a:t>
+            </a:r>
+          </a:p>
+        </p:txBody>
+      </p:sp>
+      <p:sp>
+        <p:nvSpPr>
+          <p:cNvPr id="52" name="角丸四角形 51"/>
+          <p:cNvSpPr/>
+          <p:nvPr/>
+        </p:nvSpPr>
+        <p:spPr>
+          <a:xfrm>
+            <a:off x="60896" y="1844825"/>
+            <a:ext cx="3768159" cy="3322800"/>
+          </a:xfrm>
+          <a:prstGeom prst="roundRect">
+            <a:avLst>
+              <a:gd name="adj" fmla="val 6304"/>
+            </a:avLst>
+          </a:prstGeom>
+          <a:ln>
+            <a:noFill/>
+          </a:ln>
+        </p:spPr>
+        <p:style>
+          <a:lnRef idx="2">
+            <a:schemeClr val="accent5">
+              <a:shade val="50000"/>
+            </a:schemeClr>
+          </a:lnRef>
+          <a:fillRef idx="1">
+            <a:schemeClr val="accent5"/>
+          </a:fillRef>
+          <a:effectRef idx="0">
+            <a:schemeClr val="accent5"/>
+          </a:effectRef>
+          <a:fontRef idx="minor">
+            <a:schemeClr val="lt1"/>
+          </a:fontRef>
+        </p:style>
+        <p:txBody>
+          <a:bodyPr rtlCol="0" anchor="t" anchorCtr="0"/>
+          <a:lstStyle/>
+          <a:p>
+            <a:pPr algn="ctr"/>
+            <a:r>
+              <a:rPr lang="ja-JP" altLang="en-US" b="1" dirty="0" smtClean="0">
+                <a:solidFill>
+                  <a:schemeClr val="bg1"/>
+                </a:solidFill>
+                <a:latin typeface="ＭＳ ゴシック" panose="020B0609070205080204" pitchFamily="49" charset="-128"/>
+                <a:ea typeface="ＭＳ ゴシック" panose="020B0609070205080204" pitchFamily="49" charset="-128"/>
+              </a:rPr>
+              <a:t>ワーキングディレクトリ</a:t>
+            </a:r>
+            <a:endParaRPr lang="ja-JP" altLang="en-US" b="1" dirty="0">
+              <a:solidFill>
+                <a:schemeClr val="bg1"/>
+              </a:solidFill>
+              <a:latin typeface="ＭＳ ゴシック" panose="020B0609070205080204" pitchFamily="49" charset="-128"/>
+              <a:ea typeface="ＭＳ ゴシック" panose="020B0609070205080204" pitchFamily="49" charset="-128"/>
+            </a:endParaRPr>
+          </a:p>
+        </p:txBody>
+      </p:sp>
       <p:sp>
         <p:nvSpPr>
           <p:cNvPr id="71" name="角丸四角形吹き出し 70"/>
@@ -5912,124 +6030,6 @@
       </p:sp>
       <p:sp>
         <p:nvSpPr>
-          <p:cNvPr id="49" name="角丸四角形 48"/>
-          <p:cNvSpPr/>
-          <p:nvPr/>
-        </p:nvSpPr>
-        <p:spPr>
-          <a:xfrm>
-            <a:off x="60896" y="5243377"/>
-            <a:ext cx="3768159" cy="1497991"/>
-          </a:xfrm>
-          <a:prstGeom prst="roundRect">
-            <a:avLst>
-              <a:gd name="adj" fmla="val 13086"/>
-            </a:avLst>
-          </a:prstGeom>
-          <a:solidFill>
-            <a:srgbClr val="03E729"/>
-          </a:solidFill>
-          <a:ln>
-            <a:noFill/>
-          </a:ln>
-        </p:spPr>
-        <p:style>
-          <a:lnRef idx="2">
-            <a:schemeClr val="accent1">
-              <a:shade val="50000"/>
-            </a:schemeClr>
-          </a:lnRef>
-          <a:fillRef idx="1">
-            <a:schemeClr val="accent1"/>
-          </a:fillRef>
-          <a:effectRef idx="0">
-            <a:schemeClr val="accent1"/>
-          </a:effectRef>
-          <a:fontRef idx="minor">
-            <a:schemeClr val="lt1"/>
-          </a:fontRef>
-        </p:style>
-        <p:txBody>
-          <a:bodyPr rtlCol="0" anchor="t" anchorCtr="0"/>
-          <a:lstStyle/>
-          <a:p>
-            <a:pPr algn="ctr"/>
-            <a:r>
-              <a:rPr lang="ja-JP" altLang="en-US" b="1" dirty="0">
-                <a:solidFill>
-                  <a:schemeClr val="bg1"/>
-                </a:solidFill>
-                <a:latin typeface="ＭＳ ゴシック" panose="020B0609070205080204" pitchFamily="49" charset="-128"/>
-                <a:ea typeface="ＭＳ ゴシック" panose="020B0609070205080204" pitchFamily="49" charset="-128"/>
-              </a:rPr>
-              <a:t>インデックス</a:t>
-            </a:r>
-          </a:p>
-        </p:txBody>
-      </p:sp>
-      <p:sp>
-        <p:nvSpPr>
-          <p:cNvPr id="2" name="角丸四角形 1"/>
-          <p:cNvSpPr/>
-          <p:nvPr/>
-        </p:nvSpPr>
-        <p:spPr>
-          <a:xfrm>
-            <a:off x="60896" y="1885749"/>
-            <a:ext cx="3768159" cy="3293757"/>
-          </a:xfrm>
-          <a:prstGeom prst="roundRect">
-            <a:avLst>
-              <a:gd name="adj" fmla="val 6304"/>
-            </a:avLst>
-          </a:prstGeom>
-          <a:ln>
-            <a:noFill/>
-          </a:ln>
-        </p:spPr>
-        <p:style>
-          <a:lnRef idx="2">
-            <a:schemeClr val="accent5">
-              <a:shade val="50000"/>
-            </a:schemeClr>
-          </a:lnRef>
-          <a:fillRef idx="1">
-            <a:schemeClr val="accent5"/>
-          </a:fillRef>
-          <a:effectRef idx="0">
-            <a:schemeClr val="accent5"/>
-          </a:effectRef>
-          <a:fontRef idx="minor">
-            <a:schemeClr val="lt1"/>
-          </a:fontRef>
-        </p:style>
-        <p:txBody>
-          <a:bodyPr rtlCol="0" anchor="t" anchorCtr="0"/>
-          <a:lstStyle/>
-          <a:p>
-            <a:pPr algn="ctr"/>
-            <a:r>
-              <a:rPr lang="ja-JP" altLang="en-US" b="1" dirty="0" smtClean="0">
-                <a:solidFill>
-                  <a:schemeClr val="bg1"/>
-                </a:solidFill>
-                <a:latin typeface="ＭＳ ゴシック" panose="020B0609070205080204" pitchFamily="49" charset="-128"/>
-                <a:ea typeface="ＭＳ ゴシック" panose="020B0609070205080204" pitchFamily="49" charset="-128"/>
-              </a:rPr>
-              <a:t>ワーキングディレクトリ</a:t>
-            </a:r>
-            <a:endParaRPr lang="ja-JP" altLang="en-US" b="1" dirty="0">
-              <a:solidFill>
-                <a:schemeClr val="bg1"/>
-              </a:solidFill>
-              <a:latin typeface="ＭＳ ゴシック" panose="020B0609070205080204" pitchFamily="49" charset="-128"/>
-              <a:ea typeface="ＭＳ ゴシック" panose="020B0609070205080204" pitchFamily="49" charset="-128"/>
-            </a:endParaRPr>
-          </a:p>
-        </p:txBody>
-      </p:sp>
-      <p:sp>
-        <p:nvSpPr>
           <p:cNvPr id="104" name="正方形/長方形 103"/>
           <p:cNvSpPr/>
           <p:nvPr/>
@@ -7759,6 +7759,124 @@
           <a:chExt cx="0" cy="0"/>
         </a:xfrm>
       </p:grpSpPr>
+      <p:sp>
+        <p:nvSpPr>
+          <p:cNvPr id="56" name="角丸四角形 55"/>
+          <p:cNvSpPr/>
+          <p:nvPr/>
+        </p:nvSpPr>
+        <p:spPr>
+          <a:xfrm>
+            <a:off x="60896" y="5243377"/>
+            <a:ext cx="3768159" cy="1497991"/>
+          </a:xfrm>
+          <a:prstGeom prst="roundRect">
+            <a:avLst>
+              <a:gd name="adj" fmla="val 15948"/>
+            </a:avLst>
+          </a:prstGeom>
+          <a:solidFill>
+            <a:srgbClr val="03E729"/>
+          </a:solidFill>
+          <a:ln>
+            <a:noFill/>
+          </a:ln>
+        </p:spPr>
+        <p:style>
+          <a:lnRef idx="2">
+            <a:schemeClr val="accent1">
+              <a:shade val="50000"/>
+            </a:schemeClr>
+          </a:lnRef>
+          <a:fillRef idx="1">
+            <a:schemeClr val="accent1"/>
+          </a:fillRef>
+          <a:effectRef idx="0">
+            <a:schemeClr val="accent1"/>
+          </a:effectRef>
+          <a:fontRef idx="minor">
+            <a:schemeClr val="lt1"/>
+          </a:fontRef>
+        </p:style>
+        <p:txBody>
+          <a:bodyPr rtlCol="0" anchor="t" anchorCtr="0"/>
+          <a:lstStyle/>
+          <a:p>
+            <a:pPr algn="ctr"/>
+            <a:r>
+              <a:rPr lang="ja-JP" altLang="en-US" b="1" dirty="0">
+                <a:solidFill>
+                  <a:schemeClr val="bg1"/>
+                </a:solidFill>
+                <a:latin typeface="ＭＳ ゴシック" panose="020B0609070205080204" pitchFamily="49" charset="-128"/>
+                <a:ea typeface="ＭＳ ゴシック" panose="020B0609070205080204" pitchFamily="49" charset="-128"/>
+              </a:rPr>
+              <a:t>インデックス</a:t>
+            </a:r>
+          </a:p>
+        </p:txBody>
+      </p:sp>
+      <p:sp>
+        <p:nvSpPr>
+          <p:cNvPr id="55" name="角丸四角形 54"/>
+          <p:cNvSpPr/>
+          <p:nvPr/>
+        </p:nvSpPr>
+        <p:spPr>
+          <a:xfrm>
+            <a:off x="60896" y="1844825"/>
+            <a:ext cx="3768159" cy="3322800"/>
+          </a:xfrm>
+          <a:prstGeom prst="roundRect">
+            <a:avLst>
+              <a:gd name="adj" fmla="val 6304"/>
+            </a:avLst>
+          </a:prstGeom>
+          <a:ln>
+            <a:noFill/>
+          </a:ln>
+        </p:spPr>
+        <p:style>
+          <a:lnRef idx="2">
+            <a:schemeClr val="accent5">
+              <a:shade val="50000"/>
+            </a:schemeClr>
+          </a:lnRef>
+          <a:fillRef idx="1">
+            <a:schemeClr val="accent5"/>
+          </a:fillRef>
+          <a:effectRef idx="0">
+            <a:schemeClr val="accent5"/>
+          </a:effectRef>
+          <a:fontRef idx="minor">
+            <a:schemeClr val="lt1"/>
+          </a:fontRef>
+        </p:style>
+        <p:txBody>
+          <a:bodyPr rtlCol="0" anchor="t" anchorCtr="0"/>
+          <a:lstStyle/>
+          <a:p>
+            <a:pPr algn="ctr"/>
+            <a:r>
+              <a:rPr lang="ja-JP" altLang="en-US" b="1" dirty="0" smtClean="0">
+                <a:solidFill>
+                  <a:schemeClr val="bg1"/>
+                </a:solidFill>
+                <a:latin typeface="ＭＳ ゴシック" panose="020B0609070205080204" pitchFamily="49" charset="-128"/>
+                <a:ea typeface="ＭＳ ゴシック" panose="020B0609070205080204" pitchFamily="49" charset="-128"/>
+              </a:rPr>
+              <a:t>ワーキングディレクトリ</a:t>
+            </a:r>
+            <a:endParaRPr lang="ja-JP" altLang="en-US" b="1" dirty="0">
+              <a:solidFill>
+                <a:schemeClr val="bg1"/>
+              </a:solidFill>
+              <a:latin typeface="ＭＳ ゴシック" panose="020B0609070205080204" pitchFamily="49" charset="-128"/>
+              <a:ea typeface="ＭＳ ゴシック" panose="020B0609070205080204" pitchFamily="49" charset="-128"/>
+            </a:endParaRPr>
+          </a:p>
+        </p:txBody>
+      </p:sp>
       <p:sp>
         <p:nvSpPr>
           <p:cNvPr id="71" name="角丸四角形吹き出し 70"/>
@@ -8207,13 +8325,7 @@
               <a:rPr lang="ja-JP" altLang="en-US" b="1" dirty="0" smtClean="0">
                 <a:ea typeface="ＭＳ ゴシック" panose="020B0609070205080204" pitchFamily="49" charset="-128"/>
               </a:rPr>
-              <a:t>」として表示</a:t>
-            </a:r>
-            <a:r>
-              <a:rPr lang="ja-JP" altLang="en-US" b="1" dirty="0" smtClean="0">
-                <a:ea typeface="ＭＳ ゴシック" panose="020B0609070205080204" pitchFamily="49" charset="-128"/>
-              </a:rPr>
-              <a:t>される。</a:t>
+              <a:t>」として表示される。</a:t>
             </a:r>
             <a:endParaRPr lang="en-US" altLang="ja-JP" b="1" dirty="0" smtClean="0">
               <a:ea typeface="ＭＳ ゴシック" panose="020B0609070205080204" pitchFamily="49" charset="-128"/>
@@ -8346,124 +8458,6 @@
               <a:rPr lang="en-US" altLang="ja-JP" dirty="0"/>
               <a:t>class New</a:t>
             </a:r>
-          </a:p>
-        </p:txBody>
-      </p:sp>
-      <p:sp>
-        <p:nvSpPr>
-          <p:cNvPr id="49" name="角丸四角形 48"/>
-          <p:cNvSpPr/>
-          <p:nvPr/>
-        </p:nvSpPr>
-        <p:spPr>
-          <a:xfrm>
-            <a:off x="60896" y="5243377"/>
-            <a:ext cx="3768159" cy="1497991"/>
-          </a:xfrm>
-          <a:prstGeom prst="roundRect">
-            <a:avLst>
-              <a:gd name="adj" fmla="val 13086"/>
-            </a:avLst>
-          </a:prstGeom>
-          <a:solidFill>
-            <a:srgbClr val="03E729"/>
-          </a:solidFill>
-          <a:ln>
-            <a:noFill/>
-          </a:ln>
-        </p:spPr>
-        <p:style>
-          <a:lnRef idx="2">
-            <a:schemeClr val="accent1">
-              <a:shade val="50000"/>
-            </a:schemeClr>
-          </a:lnRef>
-          <a:fillRef idx="1">
-            <a:schemeClr val="accent1"/>
-          </a:fillRef>
-          <a:effectRef idx="0">
-            <a:schemeClr val="accent1"/>
-          </a:effectRef>
-          <a:fontRef idx="minor">
-            <a:schemeClr val="lt1"/>
-          </a:fontRef>
-        </p:style>
-        <p:txBody>
-          <a:bodyPr rtlCol="0" anchor="t" anchorCtr="0"/>
-          <a:lstStyle/>
-          <a:p>
-            <a:pPr algn="ctr"/>
-            <a:r>
-              <a:rPr lang="ja-JP" altLang="en-US" b="1" dirty="0">
-                <a:solidFill>
-                  <a:schemeClr val="bg1"/>
-                </a:solidFill>
-                <a:latin typeface="ＭＳ ゴシック" panose="020B0609070205080204" pitchFamily="49" charset="-128"/>
-                <a:ea typeface="ＭＳ ゴシック" panose="020B0609070205080204" pitchFamily="49" charset="-128"/>
-              </a:rPr>
-              <a:t>インデックス</a:t>
-            </a:r>
-          </a:p>
-        </p:txBody>
-      </p:sp>
-      <p:sp>
-        <p:nvSpPr>
-          <p:cNvPr id="2" name="角丸四角形 1"/>
-          <p:cNvSpPr/>
-          <p:nvPr/>
-        </p:nvSpPr>
-        <p:spPr>
-          <a:xfrm>
-            <a:off x="60896" y="1885749"/>
-            <a:ext cx="3768159" cy="3293757"/>
-          </a:xfrm>
-          <a:prstGeom prst="roundRect">
-            <a:avLst>
-              <a:gd name="adj" fmla="val 6304"/>
-            </a:avLst>
-          </a:prstGeom>
-          <a:ln>
-            <a:noFill/>
-          </a:ln>
-        </p:spPr>
-        <p:style>
-          <a:lnRef idx="2">
-            <a:schemeClr val="accent5">
-              <a:shade val="50000"/>
-            </a:schemeClr>
-          </a:lnRef>
-          <a:fillRef idx="1">
-            <a:schemeClr val="accent5"/>
-          </a:fillRef>
-          <a:effectRef idx="0">
-            <a:schemeClr val="accent5"/>
-          </a:effectRef>
-          <a:fontRef idx="minor">
-            <a:schemeClr val="lt1"/>
-          </a:fontRef>
-        </p:style>
-        <p:txBody>
-          <a:bodyPr rtlCol="0" anchor="t" anchorCtr="0"/>
-          <a:lstStyle/>
-          <a:p>
-            <a:pPr algn="ctr"/>
-            <a:r>
-              <a:rPr lang="ja-JP" altLang="en-US" b="1" dirty="0" smtClean="0">
-                <a:solidFill>
-                  <a:schemeClr val="bg1"/>
-                </a:solidFill>
-                <a:latin typeface="ＭＳ ゴシック" panose="020B0609070205080204" pitchFamily="49" charset="-128"/>
-                <a:ea typeface="ＭＳ ゴシック" panose="020B0609070205080204" pitchFamily="49" charset="-128"/>
-              </a:rPr>
-              <a:t>ワーキングディレクトリ</a:t>
-            </a:r>
-            <a:endParaRPr lang="ja-JP" altLang="en-US" b="1" dirty="0">
-              <a:solidFill>
-                <a:schemeClr val="bg1"/>
-              </a:solidFill>
-              <a:latin typeface="ＭＳ ゴシック" panose="020B0609070205080204" pitchFamily="49" charset="-128"/>
-              <a:ea typeface="ＭＳ ゴシック" panose="020B0609070205080204" pitchFamily="49" charset="-128"/>
-            </a:endParaRPr>
           </a:p>
         </p:txBody>
       </p:sp>
@@ -10294,6 +10288,124 @@
           <a:chExt cx="0" cy="0"/>
         </a:xfrm>
       </p:grpSpPr>
+      <p:sp>
+        <p:nvSpPr>
+          <p:cNvPr id="63" name="角丸四角形 62"/>
+          <p:cNvSpPr/>
+          <p:nvPr/>
+        </p:nvSpPr>
+        <p:spPr>
+          <a:xfrm>
+            <a:off x="60896" y="5243377"/>
+            <a:ext cx="3768159" cy="1497991"/>
+          </a:xfrm>
+          <a:prstGeom prst="roundRect">
+            <a:avLst>
+              <a:gd name="adj" fmla="val 15948"/>
+            </a:avLst>
+          </a:prstGeom>
+          <a:solidFill>
+            <a:srgbClr val="03E729"/>
+          </a:solidFill>
+          <a:ln>
+            <a:noFill/>
+          </a:ln>
+        </p:spPr>
+        <p:style>
+          <a:lnRef idx="2">
+            <a:schemeClr val="accent1">
+              <a:shade val="50000"/>
+            </a:schemeClr>
+          </a:lnRef>
+          <a:fillRef idx="1">
+            <a:schemeClr val="accent1"/>
+          </a:fillRef>
+          <a:effectRef idx="0">
+            <a:schemeClr val="accent1"/>
+          </a:effectRef>
+          <a:fontRef idx="minor">
+            <a:schemeClr val="lt1"/>
+          </a:fontRef>
+        </p:style>
+        <p:txBody>
+          <a:bodyPr rtlCol="0" anchor="t" anchorCtr="0"/>
+          <a:lstStyle/>
+          <a:p>
+            <a:pPr algn="ctr"/>
+            <a:r>
+              <a:rPr lang="ja-JP" altLang="en-US" b="1" dirty="0">
+                <a:solidFill>
+                  <a:schemeClr val="bg1"/>
+                </a:solidFill>
+                <a:latin typeface="ＭＳ ゴシック" panose="020B0609070205080204" pitchFamily="49" charset="-128"/>
+                <a:ea typeface="ＭＳ ゴシック" panose="020B0609070205080204" pitchFamily="49" charset="-128"/>
+              </a:rPr>
+              <a:t>インデックス</a:t>
+            </a:r>
+          </a:p>
+        </p:txBody>
+      </p:sp>
+      <p:sp>
+        <p:nvSpPr>
+          <p:cNvPr id="62" name="角丸四角形 61"/>
+          <p:cNvSpPr/>
+          <p:nvPr/>
+        </p:nvSpPr>
+        <p:spPr>
+          <a:xfrm>
+            <a:off x="60896" y="1844825"/>
+            <a:ext cx="3768159" cy="3322800"/>
+          </a:xfrm>
+          <a:prstGeom prst="roundRect">
+            <a:avLst>
+              <a:gd name="adj" fmla="val 6304"/>
+            </a:avLst>
+          </a:prstGeom>
+          <a:ln>
+            <a:noFill/>
+          </a:ln>
+        </p:spPr>
+        <p:style>
+          <a:lnRef idx="2">
+            <a:schemeClr val="accent5">
+              <a:shade val="50000"/>
+            </a:schemeClr>
+          </a:lnRef>
+          <a:fillRef idx="1">
+            <a:schemeClr val="accent5"/>
+          </a:fillRef>
+          <a:effectRef idx="0">
+            <a:schemeClr val="accent5"/>
+          </a:effectRef>
+          <a:fontRef idx="minor">
+            <a:schemeClr val="lt1"/>
+          </a:fontRef>
+        </p:style>
+        <p:txBody>
+          <a:bodyPr rtlCol="0" anchor="t" anchorCtr="0"/>
+          <a:lstStyle/>
+          <a:p>
+            <a:pPr algn="ctr"/>
+            <a:r>
+              <a:rPr lang="ja-JP" altLang="en-US" b="1" dirty="0" smtClean="0">
+                <a:solidFill>
+                  <a:schemeClr val="bg1"/>
+                </a:solidFill>
+                <a:latin typeface="ＭＳ ゴシック" panose="020B0609070205080204" pitchFamily="49" charset="-128"/>
+                <a:ea typeface="ＭＳ ゴシック" panose="020B0609070205080204" pitchFamily="49" charset="-128"/>
+              </a:rPr>
+              <a:t>ワーキングディレクトリ</a:t>
+            </a:r>
+            <a:endParaRPr lang="ja-JP" altLang="en-US" b="1" dirty="0">
+              <a:solidFill>
+                <a:schemeClr val="bg1"/>
+              </a:solidFill>
+              <a:latin typeface="ＭＳ ゴシック" panose="020B0609070205080204" pitchFamily="49" charset="-128"/>
+              <a:ea typeface="ＭＳ ゴシック" panose="020B0609070205080204" pitchFamily="49" charset="-128"/>
+            </a:endParaRPr>
+          </a:p>
+        </p:txBody>
+      </p:sp>
       <p:sp>
         <p:nvSpPr>
           <p:cNvPr id="71" name="角丸四角形吹き出し 70"/>
@@ -10803,124 +10915,6 @@
       </p:sp>
       <p:sp>
         <p:nvSpPr>
-          <p:cNvPr id="49" name="角丸四角形 48"/>
-          <p:cNvSpPr/>
-          <p:nvPr/>
-        </p:nvSpPr>
-        <p:spPr>
-          <a:xfrm>
-            <a:off x="60896" y="5243377"/>
-            <a:ext cx="3768159" cy="1497991"/>
-          </a:xfrm>
-          <a:prstGeom prst="roundRect">
-            <a:avLst>
-              <a:gd name="adj" fmla="val 13086"/>
-            </a:avLst>
-          </a:prstGeom>
-          <a:solidFill>
-            <a:srgbClr val="03E729"/>
-          </a:solidFill>
-          <a:ln>
-            <a:noFill/>
-          </a:ln>
-        </p:spPr>
-        <p:style>
-          <a:lnRef idx="2">
-            <a:schemeClr val="accent1">
-              <a:shade val="50000"/>
-            </a:schemeClr>
-          </a:lnRef>
-          <a:fillRef idx="1">
-            <a:schemeClr val="accent1"/>
-          </a:fillRef>
-          <a:effectRef idx="0">
-            <a:schemeClr val="accent1"/>
-          </a:effectRef>
-          <a:fontRef idx="minor">
-            <a:schemeClr val="lt1"/>
-          </a:fontRef>
-        </p:style>
-        <p:txBody>
-          <a:bodyPr rtlCol="0" anchor="t" anchorCtr="0"/>
-          <a:lstStyle/>
-          <a:p>
-            <a:pPr algn="ctr"/>
-            <a:r>
-              <a:rPr lang="ja-JP" altLang="en-US" b="1" dirty="0">
-                <a:solidFill>
-                  <a:schemeClr val="bg1"/>
-                </a:solidFill>
-                <a:latin typeface="ＭＳ ゴシック" panose="020B0609070205080204" pitchFamily="49" charset="-128"/>
-                <a:ea typeface="ＭＳ ゴシック" panose="020B0609070205080204" pitchFamily="49" charset="-128"/>
-              </a:rPr>
-              <a:t>インデックス</a:t>
-            </a:r>
-          </a:p>
-        </p:txBody>
-      </p:sp>
-      <p:sp>
-        <p:nvSpPr>
-          <p:cNvPr id="2" name="角丸四角形 1"/>
-          <p:cNvSpPr/>
-          <p:nvPr/>
-        </p:nvSpPr>
-        <p:spPr>
-          <a:xfrm>
-            <a:off x="60896" y="1885749"/>
-            <a:ext cx="3768159" cy="3293757"/>
-          </a:xfrm>
-          <a:prstGeom prst="roundRect">
-            <a:avLst>
-              <a:gd name="adj" fmla="val 6304"/>
-            </a:avLst>
-          </a:prstGeom>
-          <a:ln>
-            <a:noFill/>
-          </a:ln>
-        </p:spPr>
-        <p:style>
-          <a:lnRef idx="2">
-            <a:schemeClr val="accent5">
-              <a:shade val="50000"/>
-            </a:schemeClr>
-          </a:lnRef>
-          <a:fillRef idx="1">
-            <a:schemeClr val="accent5"/>
-          </a:fillRef>
-          <a:effectRef idx="0">
-            <a:schemeClr val="accent5"/>
-          </a:effectRef>
-          <a:fontRef idx="minor">
-            <a:schemeClr val="lt1"/>
-          </a:fontRef>
-        </p:style>
-        <p:txBody>
-          <a:bodyPr rtlCol="0" anchor="t" anchorCtr="0"/>
-          <a:lstStyle/>
-          <a:p>
-            <a:pPr algn="ctr"/>
-            <a:r>
-              <a:rPr lang="ja-JP" altLang="en-US" b="1" dirty="0" smtClean="0">
-                <a:solidFill>
-                  <a:schemeClr val="bg1"/>
-                </a:solidFill>
-                <a:latin typeface="ＭＳ ゴシック" panose="020B0609070205080204" pitchFamily="49" charset="-128"/>
-                <a:ea typeface="ＭＳ ゴシック" panose="020B0609070205080204" pitchFamily="49" charset="-128"/>
-              </a:rPr>
-              <a:t>ワーキングディレクトリ</a:t>
-            </a:r>
-            <a:endParaRPr lang="ja-JP" altLang="en-US" b="1" dirty="0">
-              <a:solidFill>
-                <a:schemeClr val="bg1"/>
-              </a:solidFill>
-              <a:latin typeface="ＭＳ ゴシック" panose="020B0609070205080204" pitchFamily="49" charset="-128"/>
-              <a:ea typeface="ＭＳ ゴシック" panose="020B0609070205080204" pitchFamily="49" charset="-128"/>
-            </a:endParaRPr>
-          </a:p>
-        </p:txBody>
-      </p:sp>
-      <p:sp>
-        <p:nvSpPr>
           <p:cNvPr id="104" name="正方形/長方形 103"/>
           <p:cNvSpPr/>
           <p:nvPr/>
@@ -13042,6 +13036,124 @@
           <a:chExt cx="0" cy="0"/>
         </a:xfrm>
       </p:grpSpPr>
+      <p:sp>
+        <p:nvSpPr>
+          <p:cNvPr id="63" name="角丸四角形 62"/>
+          <p:cNvSpPr/>
+          <p:nvPr/>
+        </p:nvSpPr>
+        <p:spPr>
+          <a:xfrm>
+            <a:off x="60896" y="5243377"/>
+            <a:ext cx="3768159" cy="1497991"/>
+          </a:xfrm>
+          <a:prstGeom prst="roundRect">
+            <a:avLst>
+              <a:gd name="adj" fmla="val 15948"/>
+            </a:avLst>
+          </a:prstGeom>
+          <a:solidFill>
+            <a:srgbClr val="03E729"/>
+          </a:solidFill>
+          <a:ln>
+            <a:noFill/>
+          </a:ln>
+        </p:spPr>
+        <p:style>
+          <a:lnRef idx="2">
+            <a:schemeClr val="accent1">
+              <a:shade val="50000"/>
+            </a:schemeClr>
+          </a:lnRef>
+          <a:fillRef idx="1">
+            <a:schemeClr val="accent1"/>
+          </a:fillRef>
+          <a:effectRef idx="0">
+            <a:schemeClr val="accent1"/>
+          </a:effectRef>
+          <a:fontRef idx="minor">
+            <a:schemeClr val="lt1"/>
+          </a:fontRef>
+        </p:style>
+        <p:txBody>
+          <a:bodyPr rtlCol="0" anchor="t" anchorCtr="0"/>
+          <a:lstStyle/>
+          <a:p>
+            <a:pPr algn="ctr"/>
+            <a:r>
+              <a:rPr lang="ja-JP" altLang="en-US" b="1" dirty="0">
+                <a:solidFill>
+                  <a:schemeClr val="bg1"/>
+                </a:solidFill>
+                <a:latin typeface="ＭＳ ゴシック" panose="020B0609070205080204" pitchFamily="49" charset="-128"/>
+                <a:ea typeface="ＭＳ ゴシック" panose="020B0609070205080204" pitchFamily="49" charset="-128"/>
+              </a:rPr>
+              <a:t>インデックス</a:t>
+            </a:r>
+          </a:p>
+        </p:txBody>
+      </p:sp>
+      <p:sp>
+        <p:nvSpPr>
+          <p:cNvPr id="62" name="角丸四角形 61"/>
+          <p:cNvSpPr/>
+          <p:nvPr/>
+        </p:nvSpPr>
+        <p:spPr>
+          <a:xfrm>
+            <a:off x="60896" y="1844825"/>
+            <a:ext cx="3768159" cy="3322800"/>
+          </a:xfrm>
+          <a:prstGeom prst="roundRect">
+            <a:avLst>
+              <a:gd name="adj" fmla="val 6304"/>
+            </a:avLst>
+          </a:prstGeom>
+          <a:ln>
+            <a:noFill/>
+          </a:ln>
+        </p:spPr>
+        <p:style>
+          <a:lnRef idx="2">
+            <a:schemeClr val="accent5">
+              <a:shade val="50000"/>
+            </a:schemeClr>
+          </a:lnRef>
+          <a:fillRef idx="1">
+            <a:schemeClr val="accent5"/>
+          </a:fillRef>
+          <a:effectRef idx="0">
+            <a:schemeClr val="accent5"/>
+          </a:effectRef>
+          <a:fontRef idx="minor">
+            <a:schemeClr val="lt1"/>
+          </a:fontRef>
+        </p:style>
+        <p:txBody>
+          <a:bodyPr rtlCol="0" anchor="t" anchorCtr="0"/>
+          <a:lstStyle/>
+          <a:p>
+            <a:pPr algn="ctr"/>
+            <a:r>
+              <a:rPr lang="ja-JP" altLang="en-US" b="1" dirty="0" smtClean="0">
+                <a:solidFill>
+                  <a:schemeClr val="bg1"/>
+                </a:solidFill>
+                <a:latin typeface="ＭＳ ゴシック" panose="020B0609070205080204" pitchFamily="49" charset="-128"/>
+                <a:ea typeface="ＭＳ ゴシック" panose="020B0609070205080204" pitchFamily="49" charset="-128"/>
+              </a:rPr>
+              <a:t>ワーキングディレクトリ</a:t>
+            </a:r>
+            <a:endParaRPr lang="ja-JP" altLang="en-US" b="1" dirty="0">
+              <a:solidFill>
+                <a:schemeClr val="bg1"/>
+              </a:solidFill>
+              <a:latin typeface="ＭＳ ゴシック" panose="020B0609070205080204" pitchFamily="49" charset="-128"/>
+              <a:ea typeface="ＭＳ ゴシック" panose="020B0609070205080204" pitchFamily="49" charset="-128"/>
+            </a:endParaRPr>
+          </a:p>
+        </p:txBody>
+      </p:sp>
       <p:sp>
         <p:nvSpPr>
           <p:cNvPr id="71" name="角丸四角形吹き出し 70"/>
@@ -13411,14 +13523,7 @@
                 <a:latin typeface="ＭＳ ゴシック" panose="020B0609070205080204" pitchFamily="49" charset="-128"/>
                 <a:ea typeface="ＭＳ ゴシック" panose="020B0609070205080204" pitchFamily="49" charset="-128"/>
               </a:rPr>
-              <a:t>と</a:t>
-            </a:r>
-            <a:r>
-              <a:rPr lang="ja-JP" altLang="en-US" b="1" dirty="0" smtClean="0">
-                <a:latin typeface="ＭＳ ゴシック" panose="020B0609070205080204" pitchFamily="49" charset="-128"/>
-                <a:ea typeface="ＭＳ ゴシック" panose="020B0609070205080204" pitchFamily="49" charset="-128"/>
-              </a:rPr>
-              <a:t>、</a:t>
+              <a:t>と、</a:t>
             </a:r>
             <a:r>
               <a:rPr lang="en-US" altLang="ja-JP" b="1" dirty="0" smtClean="0">
@@ -13477,14 +13582,7 @@
                 <a:latin typeface="ＭＳ ゴシック" panose="020B0609070205080204" pitchFamily="49" charset="-128"/>
                 <a:ea typeface="ＭＳ ゴシック" panose="020B0609070205080204" pitchFamily="49" charset="-128"/>
               </a:rPr>
-              <a:t>表示</a:t>
-            </a:r>
-            <a:r>
-              <a:rPr lang="ja-JP" altLang="en-US" b="1" dirty="0" smtClean="0">
-                <a:latin typeface="ＭＳ ゴシック" panose="020B0609070205080204" pitchFamily="49" charset="-128"/>
-                <a:ea typeface="ＭＳ ゴシック" panose="020B0609070205080204" pitchFamily="49" charset="-128"/>
-              </a:rPr>
-              <a:t>される。</a:t>
+              <a:t>表示される。</a:t>
             </a:r>
             <a:endParaRPr lang="en-US" altLang="ja-JP" b="1" dirty="0" smtClean="0">
               <a:latin typeface="ＭＳ ゴシック" panose="020B0609070205080204" pitchFamily="49" charset="-128"/>
@@ -13619,124 +13717,6 @@
               <a:rPr lang="en-US" altLang="ja-JP" dirty="0"/>
               <a:t>class New</a:t>
             </a:r>
-          </a:p>
-        </p:txBody>
-      </p:sp>
-      <p:sp>
-        <p:nvSpPr>
-          <p:cNvPr id="49" name="角丸四角形 48"/>
-          <p:cNvSpPr/>
-          <p:nvPr/>
-        </p:nvSpPr>
-        <p:spPr>
-          <a:xfrm>
-            <a:off x="60896" y="5243377"/>
-            <a:ext cx="3768159" cy="1497991"/>
-          </a:xfrm>
-          <a:prstGeom prst="roundRect">
-            <a:avLst>
-              <a:gd name="adj" fmla="val 13086"/>
-            </a:avLst>
-          </a:prstGeom>
-          <a:solidFill>
-            <a:srgbClr val="03E729"/>
-          </a:solidFill>
-          <a:ln>
-            <a:noFill/>
-          </a:ln>
-        </p:spPr>
-        <p:style>
-          <a:lnRef idx="2">
-            <a:schemeClr val="accent1">
-              <a:shade val="50000"/>
-            </a:schemeClr>
-          </a:lnRef>
-          <a:fillRef idx="1">
-            <a:schemeClr val="accent1"/>
-          </a:fillRef>
-          <a:effectRef idx="0">
-            <a:schemeClr val="accent1"/>
-          </a:effectRef>
-          <a:fontRef idx="minor">
-            <a:schemeClr val="lt1"/>
-          </a:fontRef>
-        </p:style>
-        <p:txBody>
-          <a:bodyPr rtlCol="0" anchor="t" anchorCtr="0"/>
-          <a:lstStyle/>
-          <a:p>
-            <a:pPr algn="ctr"/>
-            <a:r>
-              <a:rPr lang="ja-JP" altLang="en-US" b="1" dirty="0">
-                <a:solidFill>
-                  <a:schemeClr val="bg1"/>
-                </a:solidFill>
-                <a:latin typeface="ＭＳ ゴシック" panose="020B0609070205080204" pitchFamily="49" charset="-128"/>
-                <a:ea typeface="ＭＳ ゴシック" panose="020B0609070205080204" pitchFamily="49" charset="-128"/>
-              </a:rPr>
-              <a:t>インデックス</a:t>
-            </a:r>
-          </a:p>
-        </p:txBody>
-      </p:sp>
-      <p:sp>
-        <p:nvSpPr>
-          <p:cNvPr id="2" name="角丸四角形 1"/>
-          <p:cNvSpPr/>
-          <p:nvPr/>
-        </p:nvSpPr>
-        <p:spPr>
-          <a:xfrm>
-            <a:off x="60896" y="1885749"/>
-            <a:ext cx="3768159" cy="3293757"/>
-          </a:xfrm>
-          <a:prstGeom prst="roundRect">
-            <a:avLst>
-              <a:gd name="adj" fmla="val 6304"/>
-            </a:avLst>
-          </a:prstGeom>
-          <a:ln>
-            <a:noFill/>
-          </a:ln>
-        </p:spPr>
-        <p:style>
-          <a:lnRef idx="2">
-            <a:schemeClr val="accent5">
-              <a:shade val="50000"/>
-            </a:schemeClr>
-          </a:lnRef>
-          <a:fillRef idx="1">
-            <a:schemeClr val="accent5"/>
-          </a:fillRef>
-          <a:effectRef idx="0">
-            <a:schemeClr val="accent5"/>
-          </a:effectRef>
-          <a:fontRef idx="minor">
-            <a:schemeClr val="lt1"/>
-          </a:fontRef>
-        </p:style>
-        <p:txBody>
-          <a:bodyPr rtlCol="0" anchor="t" anchorCtr="0"/>
-          <a:lstStyle/>
-          <a:p>
-            <a:pPr algn="ctr"/>
-            <a:r>
-              <a:rPr lang="ja-JP" altLang="en-US" b="1" dirty="0" smtClean="0">
-                <a:solidFill>
-                  <a:schemeClr val="bg1"/>
-                </a:solidFill>
-                <a:latin typeface="ＭＳ ゴシック" panose="020B0609070205080204" pitchFamily="49" charset="-128"/>
-                <a:ea typeface="ＭＳ ゴシック" panose="020B0609070205080204" pitchFamily="49" charset="-128"/>
-              </a:rPr>
-              <a:t>ワーキングディレクトリ</a:t>
-            </a:r>
-            <a:endParaRPr lang="ja-JP" altLang="en-US" b="1" dirty="0">
-              <a:solidFill>
-                <a:schemeClr val="bg1"/>
-              </a:solidFill>
-              <a:latin typeface="ＭＳ ゴシック" panose="020B0609070205080204" pitchFamily="49" charset="-128"/>
-              <a:ea typeface="ＭＳ ゴシック" panose="020B0609070205080204" pitchFamily="49" charset="-128"/>
-            </a:endParaRPr>
           </a:p>
         </p:txBody>
       </p:sp>
@@ -15863,6 +15843,124 @@
           <a:chExt cx="0" cy="0"/>
         </a:xfrm>
       </p:grpSpPr>
+      <p:sp>
+        <p:nvSpPr>
+          <p:cNvPr id="63" name="角丸四角形 62"/>
+          <p:cNvSpPr/>
+          <p:nvPr/>
+        </p:nvSpPr>
+        <p:spPr>
+          <a:xfrm>
+            <a:off x="60896" y="5243377"/>
+            <a:ext cx="3768159" cy="1497991"/>
+          </a:xfrm>
+          <a:prstGeom prst="roundRect">
+            <a:avLst>
+              <a:gd name="adj" fmla="val 15948"/>
+            </a:avLst>
+          </a:prstGeom>
+          <a:solidFill>
+            <a:srgbClr val="03E729"/>
+          </a:solidFill>
+          <a:ln>
+            <a:noFill/>
+          </a:ln>
+        </p:spPr>
+        <p:style>
+          <a:lnRef idx="2">
+            <a:schemeClr val="accent1">
+              <a:shade val="50000"/>
+            </a:schemeClr>
+          </a:lnRef>
+          <a:fillRef idx="1">
+            <a:schemeClr val="accent1"/>
+          </a:fillRef>
+          <a:effectRef idx="0">
+            <a:schemeClr val="accent1"/>
+          </a:effectRef>
+          <a:fontRef idx="minor">
+            <a:schemeClr val="lt1"/>
+          </a:fontRef>
+        </p:style>
+        <p:txBody>
+          <a:bodyPr rtlCol="0" anchor="t" anchorCtr="0"/>
+          <a:lstStyle/>
+          <a:p>
+            <a:pPr algn="ctr"/>
+            <a:r>
+              <a:rPr lang="ja-JP" altLang="en-US" b="1" dirty="0">
+                <a:solidFill>
+                  <a:schemeClr val="bg1"/>
+                </a:solidFill>
+                <a:latin typeface="ＭＳ ゴシック" panose="020B0609070205080204" pitchFamily="49" charset="-128"/>
+                <a:ea typeface="ＭＳ ゴシック" panose="020B0609070205080204" pitchFamily="49" charset="-128"/>
+              </a:rPr>
+              <a:t>インデックス</a:t>
+            </a:r>
+          </a:p>
+        </p:txBody>
+      </p:sp>
+      <p:sp>
+        <p:nvSpPr>
+          <p:cNvPr id="62" name="角丸四角形 61"/>
+          <p:cNvSpPr/>
+          <p:nvPr/>
+        </p:nvSpPr>
+        <p:spPr>
+          <a:xfrm>
+            <a:off x="60896" y="1844825"/>
+            <a:ext cx="3768159" cy="3322800"/>
+          </a:xfrm>
+          <a:prstGeom prst="roundRect">
+            <a:avLst>
+              <a:gd name="adj" fmla="val 6304"/>
+            </a:avLst>
+          </a:prstGeom>
+          <a:ln>
+            <a:noFill/>
+          </a:ln>
+        </p:spPr>
+        <p:style>
+          <a:lnRef idx="2">
+            <a:schemeClr val="accent5">
+              <a:shade val="50000"/>
+            </a:schemeClr>
+          </a:lnRef>
+          <a:fillRef idx="1">
+            <a:schemeClr val="accent5"/>
+          </a:fillRef>
+          <a:effectRef idx="0">
+            <a:schemeClr val="accent5"/>
+          </a:effectRef>
+          <a:fontRef idx="minor">
+            <a:schemeClr val="lt1"/>
+          </a:fontRef>
+        </p:style>
+        <p:txBody>
+          <a:bodyPr rtlCol="0" anchor="t" anchorCtr="0"/>
+          <a:lstStyle/>
+          <a:p>
+            <a:pPr algn="ctr"/>
+            <a:r>
+              <a:rPr lang="ja-JP" altLang="en-US" b="1" dirty="0" smtClean="0">
+                <a:solidFill>
+                  <a:schemeClr val="bg1"/>
+                </a:solidFill>
+                <a:latin typeface="ＭＳ ゴシック" panose="020B0609070205080204" pitchFamily="49" charset="-128"/>
+                <a:ea typeface="ＭＳ ゴシック" panose="020B0609070205080204" pitchFamily="49" charset="-128"/>
+              </a:rPr>
+              <a:t>ワーキングディレクトリ</a:t>
+            </a:r>
+            <a:endParaRPr lang="ja-JP" altLang="en-US" b="1" dirty="0">
+              <a:solidFill>
+                <a:schemeClr val="bg1"/>
+              </a:solidFill>
+              <a:latin typeface="ＭＳ ゴシック" panose="020B0609070205080204" pitchFamily="49" charset="-128"/>
+              <a:ea typeface="ＭＳ ゴシック" panose="020B0609070205080204" pitchFamily="49" charset="-128"/>
+            </a:endParaRPr>
+          </a:p>
+        </p:txBody>
+      </p:sp>
       <p:sp>
         <p:nvSpPr>
           <p:cNvPr id="71" name="角丸四角形吹き出し 70"/>
@@ -16261,26 +16359,13 @@
                 <a:latin typeface="ＭＳ ゴシック" panose="020B0609070205080204" pitchFamily="49" charset="-128"/>
                 <a:ea typeface="ＭＳ ゴシック" panose="020B0609070205080204" pitchFamily="49" charset="-128"/>
               </a:rPr>
-              <a:t>と</a:t>
-            </a:r>
-            <a:r>
-              <a:rPr lang="ja-JP" altLang="en-US" b="1" dirty="0" smtClean="0">
-                <a:latin typeface="ＭＳ ゴシック" panose="020B0609070205080204" pitchFamily="49" charset="-128"/>
-                <a:ea typeface="ＭＳ ゴシック" panose="020B0609070205080204" pitchFamily="49" charset="-128"/>
-              </a:rPr>
-              <a:t>、</a:t>
+              <a:t>と、</a:t>
             </a:r>
             <a:r>
               <a:rPr lang="en-US" altLang="ja-JP" b="1" dirty="0" smtClean="0">
                 <a:ea typeface="ＭＳ ゴシック" panose="020B0609070205080204" pitchFamily="49" charset="-128"/>
               </a:rPr>
-              <a:t>Readme.md</a:t>
-            </a:r>
-            <a:r>
-              <a:rPr lang="en-US" altLang="ja-JP" b="1" dirty="0" smtClean="0">
-                <a:ea typeface="ＭＳ ゴシック" panose="020B0609070205080204" pitchFamily="49" charset="-128"/>
-              </a:rPr>
-              <a:t> </a:t>
+              <a:t>Readme.md </a:t>
             </a:r>
             <a:r>
               <a:rPr lang="ja-JP" altLang="en-US" b="1" dirty="0" smtClean="0">
@@ -16332,14 +16417,7 @@
                 <a:latin typeface="ＭＳ ゴシック" panose="020B0609070205080204" pitchFamily="49" charset="-128"/>
                 <a:ea typeface="ＭＳ ゴシック" panose="020B0609070205080204" pitchFamily="49" charset="-128"/>
               </a:rPr>
-              <a:t>」</a:t>
-            </a:r>
-            <a:r>
-              <a:rPr lang="ja-JP" altLang="en-US" b="1" dirty="0" smtClean="0">
-                <a:latin typeface="ＭＳ ゴシック" panose="020B0609070205080204" pitchFamily="49" charset="-128"/>
-                <a:ea typeface="ＭＳ ゴシック" panose="020B0609070205080204" pitchFamily="49" charset="-128"/>
-              </a:rPr>
-              <a:t>と</a:t>
+              <a:t>」と</a:t>
             </a:r>
             <a:r>
               <a:rPr lang="ja-JP" altLang="en-US" b="1" dirty="0">
@@ -16353,14 +16431,7 @@
                 <a:latin typeface="ＭＳ ゴシック" panose="020B0609070205080204" pitchFamily="49" charset="-128"/>
                 <a:ea typeface="ＭＳ ゴシック" panose="020B0609070205080204" pitchFamily="49" charset="-128"/>
               </a:rPr>
-              <a:t>表示</a:t>
-            </a:r>
-            <a:r>
-              <a:rPr lang="ja-JP" altLang="en-US" b="1" dirty="0" smtClean="0">
-                <a:latin typeface="ＭＳ ゴシック" panose="020B0609070205080204" pitchFamily="49" charset="-128"/>
-                <a:ea typeface="ＭＳ ゴシック" panose="020B0609070205080204" pitchFamily="49" charset="-128"/>
-              </a:rPr>
-              <a:t>される。</a:t>
+              <a:t>表示される。</a:t>
             </a:r>
             <a:endParaRPr lang="en-US" altLang="ja-JP" b="1" dirty="0" smtClean="0">
               <a:latin typeface="ＭＳ ゴシック" panose="020B0609070205080204" pitchFamily="49" charset="-128"/>
@@ -16545,124 +16616,6 @@
               <a:t>Howdy</a:t>
             </a:r>
             <a:endParaRPr lang="ja-JP" altLang="en-US" dirty="0"/>
-          </a:p>
-        </p:txBody>
-      </p:sp>
-      <p:sp>
-        <p:nvSpPr>
-          <p:cNvPr id="49" name="角丸四角形 48"/>
-          <p:cNvSpPr/>
-          <p:nvPr/>
-        </p:nvSpPr>
-        <p:spPr>
-          <a:xfrm>
-            <a:off x="60896" y="5243377"/>
-            <a:ext cx="3768159" cy="1497991"/>
-          </a:xfrm>
-          <a:prstGeom prst="roundRect">
-            <a:avLst>
-              <a:gd name="adj" fmla="val 13086"/>
-            </a:avLst>
-          </a:prstGeom>
-          <a:solidFill>
-            <a:srgbClr val="03E729"/>
-          </a:solidFill>
-          <a:ln>
-            <a:noFill/>
-          </a:ln>
-        </p:spPr>
-        <p:style>
-          <a:lnRef idx="2">
-            <a:schemeClr val="accent1">
-              <a:shade val="50000"/>
-            </a:schemeClr>
-          </a:lnRef>
-          <a:fillRef idx="1">
-            <a:schemeClr val="accent1"/>
-          </a:fillRef>
-          <a:effectRef idx="0">
-            <a:schemeClr val="accent1"/>
-          </a:effectRef>
-          <a:fontRef idx="minor">
-            <a:schemeClr val="lt1"/>
-          </a:fontRef>
-        </p:style>
-        <p:txBody>
-          <a:bodyPr rtlCol="0" anchor="t" anchorCtr="0"/>
-          <a:lstStyle/>
-          <a:p>
-            <a:pPr algn="ctr"/>
-            <a:r>
-              <a:rPr lang="ja-JP" altLang="en-US" b="1" dirty="0">
-                <a:solidFill>
-                  <a:schemeClr val="bg1"/>
-                </a:solidFill>
-                <a:latin typeface="ＭＳ ゴシック" panose="020B0609070205080204" pitchFamily="49" charset="-128"/>
-                <a:ea typeface="ＭＳ ゴシック" panose="020B0609070205080204" pitchFamily="49" charset="-128"/>
-              </a:rPr>
-              <a:t>インデックス</a:t>
-            </a:r>
-          </a:p>
-        </p:txBody>
-      </p:sp>
-      <p:sp>
-        <p:nvSpPr>
-          <p:cNvPr id="2" name="角丸四角形 1"/>
-          <p:cNvSpPr/>
-          <p:nvPr/>
-        </p:nvSpPr>
-        <p:spPr>
-          <a:xfrm>
-            <a:off x="60896" y="1885749"/>
-            <a:ext cx="3768159" cy="3293757"/>
-          </a:xfrm>
-          <a:prstGeom prst="roundRect">
-            <a:avLst>
-              <a:gd name="adj" fmla="val 6304"/>
-            </a:avLst>
-          </a:prstGeom>
-          <a:ln>
-            <a:noFill/>
-          </a:ln>
-        </p:spPr>
-        <p:style>
-          <a:lnRef idx="2">
-            <a:schemeClr val="accent5">
-              <a:shade val="50000"/>
-            </a:schemeClr>
-          </a:lnRef>
-          <a:fillRef idx="1">
-            <a:schemeClr val="accent5"/>
-          </a:fillRef>
-          <a:effectRef idx="0">
-            <a:schemeClr val="accent5"/>
-          </a:effectRef>
-          <a:fontRef idx="minor">
-            <a:schemeClr val="lt1"/>
-          </a:fontRef>
-        </p:style>
-        <p:txBody>
-          <a:bodyPr rtlCol="0" anchor="t" anchorCtr="0"/>
-          <a:lstStyle/>
-          <a:p>
-            <a:pPr algn="ctr"/>
-            <a:r>
-              <a:rPr lang="ja-JP" altLang="en-US" b="1" dirty="0" smtClean="0">
-                <a:solidFill>
-                  <a:schemeClr val="bg1"/>
-                </a:solidFill>
-                <a:latin typeface="ＭＳ ゴシック" panose="020B0609070205080204" pitchFamily="49" charset="-128"/>
-                <a:ea typeface="ＭＳ ゴシック" panose="020B0609070205080204" pitchFamily="49" charset="-128"/>
-              </a:rPr>
-              <a:t>ワーキングディレクトリ</a:t>
-            </a:r>
-            <a:endParaRPr lang="ja-JP" altLang="en-US" b="1" dirty="0">
-              <a:solidFill>
-                <a:schemeClr val="bg1"/>
-              </a:solidFill>
-              <a:latin typeface="ＭＳ ゴシック" panose="020B0609070205080204" pitchFamily="49" charset="-128"/>
-              <a:ea typeface="ＭＳ ゴシック" panose="020B0609070205080204" pitchFamily="49" charset="-128"/>
-            </a:endParaRPr>
           </a:p>
         </p:txBody>
       </p:sp>
@@ -18789,6 +18742,124 @@
           <a:chExt cx="0" cy="0"/>
         </a:xfrm>
       </p:grpSpPr>
+      <p:sp>
+        <p:nvSpPr>
+          <p:cNvPr id="69" name="角丸四角形 68"/>
+          <p:cNvSpPr/>
+          <p:nvPr/>
+        </p:nvSpPr>
+        <p:spPr>
+          <a:xfrm>
+            <a:off x="60896" y="5243377"/>
+            <a:ext cx="3768159" cy="1497991"/>
+          </a:xfrm>
+          <a:prstGeom prst="roundRect">
+            <a:avLst>
+              <a:gd name="adj" fmla="val 15948"/>
+            </a:avLst>
+          </a:prstGeom>
+          <a:solidFill>
+            <a:srgbClr val="03E729"/>
+          </a:solidFill>
+          <a:ln>
+            <a:noFill/>
+          </a:ln>
+        </p:spPr>
+        <p:style>
+          <a:lnRef idx="2">
+            <a:schemeClr val="accent1">
+              <a:shade val="50000"/>
+            </a:schemeClr>
+          </a:lnRef>
+          <a:fillRef idx="1">
+            <a:schemeClr val="accent1"/>
+          </a:fillRef>
+          <a:effectRef idx="0">
+            <a:schemeClr val="accent1"/>
+          </a:effectRef>
+          <a:fontRef idx="minor">
+            <a:schemeClr val="lt1"/>
+          </a:fontRef>
+        </p:style>
+        <p:txBody>
+          <a:bodyPr rtlCol="0" anchor="t" anchorCtr="0"/>
+          <a:lstStyle/>
+          <a:p>
+            <a:pPr algn="ctr"/>
+            <a:r>
+              <a:rPr lang="ja-JP" altLang="en-US" b="1" dirty="0">
+                <a:solidFill>
+                  <a:schemeClr val="bg1"/>
+                </a:solidFill>
+                <a:latin typeface="ＭＳ ゴシック" panose="020B0609070205080204" pitchFamily="49" charset="-128"/>
+                <a:ea typeface="ＭＳ ゴシック" panose="020B0609070205080204" pitchFamily="49" charset="-128"/>
+              </a:rPr>
+              <a:t>インデックス</a:t>
+            </a:r>
+          </a:p>
+        </p:txBody>
+      </p:sp>
+      <p:sp>
+        <p:nvSpPr>
+          <p:cNvPr id="67" name="角丸四角形 66"/>
+          <p:cNvSpPr/>
+          <p:nvPr/>
+        </p:nvSpPr>
+        <p:spPr>
+          <a:xfrm>
+            <a:off x="60896" y="1844825"/>
+            <a:ext cx="3768159" cy="3322800"/>
+          </a:xfrm>
+          <a:prstGeom prst="roundRect">
+            <a:avLst>
+              <a:gd name="adj" fmla="val 6304"/>
+            </a:avLst>
+          </a:prstGeom>
+          <a:ln>
+            <a:noFill/>
+          </a:ln>
+        </p:spPr>
+        <p:style>
+          <a:lnRef idx="2">
+            <a:schemeClr val="accent5">
+              <a:shade val="50000"/>
+            </a:schemeClr>
+          </a:lnRef>
+          <a:fillRef idx="1">
+            <a:schemeClr val="accent5"/>
+          </a:fillRef>
+          <a:effectRef idx="0">
+            <a:schemeClr val="accent5"/>
+          </a:effectRef>
+          <a:fontRef idx="minor">
+            <a:schemeClr val="lt1"/>
+          </a:fontRef>
+        </p:style>
+        <p:txBody>
+          <a:bodyPr rtlCol="0" anchor="t" anchorCtr="0"/>
+          <a:lstStyle/>
+          <a:p>
+            <a:pPr algn="ctr"/>
+            <a:r>
+              <a:rPr lang="ja-JP" altLang="en-US" b="1" dirty="0" smtClean="0">
+                <a:solidFill>
+                  <a:schemeClr val="bg1"/>
+                </a:solidFill>
+                <a:latin typeface="ＭＳ ゴシック" panose="020B0609070205080204" pitchFamily="49" charset="-128"/>
+                <a:ea typeface="ＭＳ ゴシック" panose="020B0609070205080204" pitchFamily="49" charset="-128"/>
+              </a:rPr>
+              <a:t>ワーキングディレクトリ</a:t>
+            </a:r>
+            <a:endParaRPr lang="ja-JP" altLang="en-US" b="1" dirty="0">
+              <a:solidFill>
+                <a:schemeClr val="bg1"/>
+              </a:solidFill>
+              <a:latin typeface="ＭＳ ゴシック" panose="020B0609070205080204" pitchFamily="49" charset="-128"/>
+              <a:ea typeface="ＭＳ ゴシック" panose="020B0609070205080204" pitchFamily="49" charset="-128"/>
+            </a:endParaRPr>
+          </a:p>
+        </p:txBody>
+      </p:sp>
       <p:sp>
         <p:nvSpPr>
           <p:cNvPr id="71" name="角丸四角形吹き出し 70"/>
@@ -19395,124 +19466,6 @@
               <a:t>Howdy</a:t>
             </a:r>
             <a:endParaRPr lang="ja-JP" altLang="en-US" dirty="0"/>
-          </a:p>
-        </p:txBody>
-      </p:sp>
-      <p:sp>
-        <p:nvSpPr>
-          <p:cNvPr id="49" name="角丸四角形 48"/>
-          <p:cNvSpPr/>
-          <p:nvPr/>
-        </p:nvSpPr>
-        <p:spPr>
-          <a:xfrm>
-            <a:off x="60896" y="5243377"/>
-            <a:ext cx="3768159" cy="1497991"/>
-          </a:xfrm>
-          <a:prstGeom prst="roundRect">
-            <a:avLst>
-              <a:gd name="adj" fmla="val 13086"/>
-            </a:avLst>
-          </a:prstGeom>
-          <a:solidFill>
-            <a:srgbClr val="03E729"/>
-          </a:solidFill>
-          <a:ln>
-            <a:noFill/>
-          </a:ln>
-        </p:spPr>
-        <p:style>
-          <a:lnRef idx="2">
-            <a:schemeClr val="accent1">
-              <a:shade val="50000"/>
-            </a:schemeClr>
-          </a:lnRef>
-          <a:fillRef idx="1">
-            <a:schemeClr val="accent1"/>
-          </a:fillRef>
-          <a:effectRef idx="0">
-            <a:schemeClr val="accent1"/>
-          </a:effectRef>
-          <a:fontRef idx="minor">
-            <a:schemeClr val="lt1"/>
-          </a:fontRef>
-        </p:style>
-        <p:txBody>
-          <a:bodyPr rtlCol="0" anchor="t" anchorCtr="0"/>
-          <a:lstStyle/>
-          <a:p>
-            <a:pPr algn="ctr"/>
-            <a:r>
-              <a:rPr lang="ja-JP" altLang="en-US" b="1" dirty="0">
-                <a:solidFill>
-                  <a:schemeClr val="bg1"/>
-                </a:solidFill>
-                <a:latin typeface="ＭＳ ゴシック" panose="020B0609070205080204" pitchFamily="49" charset="-128"/>
-                <a:ea typeface="ＭＳ ゴシック" panose="020B0609070205080204" pitchFamily="49" charset="-128"/>
-              </a:rPr>
-              <a:t>インデックス</a:t>
-            </a:r>
-          </a:p>
-        </p:txBody>
-      </p:sp>
-      <p:sp>
-        <p:nvSpPr>
-          <p:cNvPr id="2" name="角丸四角形 1"/>
-          <p:cNvSpPr/>
-          <p:nvPr/>
-        </p:nvSpPr>
-        <p:spPr>
-          <a:xfrm>
-            <a:off x="60896" y="1885749"/>
-            <a:ext cx="3768159" cy="3293757"/>
-          </a:xfrm>
-          <a:prstGeom prst="roundRect">
-            <a:avLst>
-              <a:gd name="adj" fmla="val 6304"/>
-            </a:avLst>
-          </a:prstGeom>
-          <a:ln>
-            <a:noFill/>
-          </a:ln>
-        </p:spPr>
-        <p:style>
-          <a:lnRef idx="2">
-            <a:schemeClr val="accent5">
-              <a:shade val="50000"/>
-            </a:schemeClr>
-          </a:lnRef>
-          <a:fillRef idx="1">
-            <a:schemeClr val="accent5"/>
-          </a:fillRef>
-          <a:effectRef idx="0">
-            <a:schemeClr val="accent5"/>
-          </a:effectRef>
-          <a:fontRef idx="minor">
-            <a:schemeClr val="lt1"/>
-          </a:fontRef>
-        </p:style>
-        <p:txBody>
-          <a:bodyPr rtlCol="0" anchor="t" anchorCtr="0"/>
-          <a:lstStyle/>
-          <a:p>
-            <a:pPr algn="ctr"/>
-            <a:r>
-              <a:rPr lang="ja-JP" altLang="en-US" b="1" dirty="0" smtClean="0">
-                <a:solidFill>
-                  <a:schemeClr val="bg1"/>
-                </a:solidFill>
-                <a:latin typeface="ＭＳ ゴシック" panose="020B0609070205080204" pitchFamily="49" charset="-128"/>
-                <a:ea typeface="ＭＳ ゴシック" panose="020B0609070205080204" pitchFamily="49" charset="-128"/>
-              </a:rPr>
-              <a:t>ワーキングディレクトリ</a:t>
-            </a:r>
-            <a:endParaRPr lang="ja-JP" altLang="en-US" b="1" dirty="0">
-              <a:solidFill>
-                <a:schemeClr val="bg1"/>
-              </a:solidFill>
-              <a:latin typeface="ＭＳ ゴシック" panose="020B0609070205080204" pitchFamily="49" charset="-128"/>
-              <a:ea typeface="ＭＳ ゴシック" panose="020B0609070205080204" pitchFamily="49" charset="-128"/>
-            </a:endParaRPr>
           </a:p>
         </p:txBody>
       </p:sp>

--- a/images/git-repository/git_repo.pptx
+++ b/images/git-repository/git_repo.pptx
@@ -294,7 +294,7 @@
           <a:p>
             <a:fld id="{8CB4B4FF-AE23-4E1E-B51C-5ED850CF274A}" type="datetimeFigureOut">
               <a:rPr kumimoji="1" lang="ja-JP" altLang="en-US" smtClean="0"/>
-              <a:t>2016/4/17</a:t>
+              <a:t>2016/4/30</a:t>
             </a:fld>
             <a:endParaRPr kumimoji="1" lang="ja-JP" altLang="en-US"/>
           </a:p>
@@ -496,7 +496,7 @@
           <a:p>
             <a:fld id="{8CB4B4FF-AE23-4E1E-B51C-5ED850CF274A}" type="datetimeFigureOut">
               <a:rPr kumimoji="1" lang="ja-JP" altLang="en-US" smtClean="0"/>
-              <a:t>2016/4/17</a:t>
+              <a:t>2016/4/30</a:t>
             </a:fld>
             <a:endParaRPr kumimoji="1" lang="ja-JP" altLang="en-US"/>
           </a:p>
@@ -708,7 +708,7 @@
           <a:p>
             <a:fld id="{8CB4B4FF-AE23-4E1E-B51C-5ED850CF274A}" type="datetimeFigureOut">
               <a:rPr kumimoji="1" lang="ja-JP" altLang="en-US" smtClean="0"/>
-              <a:t>2016/4/17</a:t>
+              <a:t>2016/4/30</a:t>
             </a:fld>
             <a:endParaRPr kumimoji="1" lang="ja-JP" altLang="en-US"/>
           </a:p>
@@ -910,7 +910,7 @@
           <a:p>
             <a:fld id="{8CB4B4FF-AE23-4E1E-B51C-5ED850CF274A}" type="datetimeFigureOut">
               <a:rPr kumimoji="1" lang="ja-JP" altLang="en-US" smtClean="0"/>
-              <a:t>2016/4/17</a:t>
+              <a:t>2016/4/30</a:t>
             </a:fld>
             <a:endParaRPr kumimoji="1" lang="ja-JP" altLang="en-US"/>
           </a:p>
@@ -1156,7 +1156,7 @@
           <a:p>
             <a:fld id="{8CB4B4FF-AE23-4E1E-B51C-5ED850CF274A}" type="datetimeFigureOut">
               <a:rPr kumimoji="1" lang="ja-JP" altLang="en-US" smtClean="0"/>
-              <a:t>2016/4/17</a:t>
+              <a:t>2016/4/30</a:t>
             </a:fld>
             <a:endParaRPr kumimoji="1" lang="ja-JP" altLang="en-US"/>
           </a:p>
@@ -1508,7 +1508,7 @@
           <a:p>
             <a:fld id="{8CB4B4FF-AE23-4E1E-B51C-5ED850CF274A}" type="datetimeFigureOut">
               <a:rPr kumimoji="1" lang="ja-JP" altLang="en-US" smtClean="0"/>
-              <a:t>2016/4/17</a:t>
+              <a:t>2016/4/30</a:t>
             </a:fld>
             <a:endParaRPr kumimoji="1" lang="ja-JP" altLang="en-US"/>
           </a:p>
@@ -1994,7 +1994,7 @@
           <a:p>
             <a:fld id="{8CB4B4FF-AE23-4E1E-B51C-5ED850CF274A}" type="datetimeFigureOut">
               <a:rPr kumimoji="1" lang="ja-JP" altLang="en-US" smtClean="0"/>
-              <a:t>2016/4/17</a:t>
+              <a:t>2016/4/30</a:t>
             </a:fld>
             <a:endParaRPr kumimoji="1" lang="ja-JP" altLang="en-US"/>
           </a:p>
@@ -2112,7 +2112,7 @@
           <a:p>
             <a:fld id="{8CB4B4FF-AE23-4E1E-B51C-5ED850CF274A}" type="datetimeFigureOut">
               <a:rPr kumimoji="1" lang="ja-JP" altLang="en-US" smtClean="0"/>
-              <a:t>2016/4/17</a:t>
+              <a:t>2016/4/30</a:t>
             </a:fld>
             <a:endParaRPr kumimoji="1" lang="ja-JP" altLang="en-US"/>
           </a:p>
@@ -2207,7 +2207,7 @@
           <a:p>
             <a:fld id="{8CB4B4FF-AE23-4E1E-B51C-5ED850CF274A}" type="datetimeFigureOut">
               <a:rPr kumimoji="1" lang="ja-JP" altLang="en-US" smtClean="0"/>
-              <a:t>2016/4/17</a:t>
+              <a:t>2016/4/30</a:t>
             </a:fld>
             <a:endParaRPr kumimoji="1" lang="ja-JP" altLang="en-US"/>
           </a:p>
@@ -2516,7 +2516,7 @@
           <a:p>
             <a:fld id="{8CB4B4FF-AE23-4E1E-B51C-5ED850CF274A}" type="datetimeFigureOut">
               <a:rPr kumimoji="1" lang="ja-JP" altLang="en-US" smtClean="0"/>
-              <a:t>2016/4/17</a:t>
+              <a:t>2016/4/30</a:t>
             </a:fld>
             <a:endParaRPr kumimoji="1" lang="ja-JP" altLang="en-US"/>
           </a:p>
@@ -2769,7 +2769,7 @@
           <a:p>
             <a:fld id="{8CB4B4FF-AE23-4E1E-B51C-5ED850CF274A}" type="datetimeFigureOut">
               <a:rPr kumimoji="1" lang="ja-JP" altLang="en-US" smtClean="0"/>
-              <a:t>2016/4/17</a:t>
+              <a:t>2016/4/30</a:t>
             </a:fld>
             <a:endParaRPr kumimoji="1" lang="ja-JP" altLang="en-US"/>
           </a:p>
@@ -3014,7 +3014,7 @@
           <a:p>
             <a:fld id="{8CB4B4FF-AE23-4E1E-B51C-5ED850CF274A}" type="datetimeFigureOut">
               <a:rPr kumimoji="1" lang="ja-JP" altLang="en-US" smtClean="0"/>
-              <a:t>2016/4/17</a:t>
+              <a:t>2016/4/30</a:t>
             </a:fld>
             <a:endParaRPr kumimoji="1" lang="ja-JP" altLang="en-US"/>
           </a:p>
@@ -3702,10 +3702,16 @@
           <a:lstStyle/>
           <a:p>
             <a:r>
+              <a:rPr lang="ja-JP" altLang="en-US" b="1" smtClean="0">
+                <a:ea typeface="ＭＳ ゴシック" panose="020B0609070205080204" pitchFamily="49" charset="-128"/>
+              </a:rPr>
+              <a:t>初期</a:t>
+            </a:r>
+            <a:r>
               <a:rPr lang="ja-JP" altLang="en-US" b="1" dirty="0" smtClean="0">
                 <a:ea typeface="ＭＳ ゴシック" panose="020B0609070205080204" pitchFamily="49" charset="-128"/>
               </a:rPr>
-              <a:t>プロジェクトの初期状態。</a:t>
+              <a:t>状態。</a:t>
             </a:r>
             <a:endParaRPr lang="en-US" altLang="ja-JP" b="1" dirty="0" smtClean="0">
               <a:ea typeface="ＭＳ ゴシック" panose="020B0609070205080204" pitchFamily="49" charset="-128"/>
